--- a/PLPTH813Bioinformatis/2021/labs/lab12_DL.pptx
+++ b/PLPTH813Bioinformatis/2021/labs/lab12_DL.pptx
@@ -5,26 +5,27 @@
     <p:sldMasterId id="2147483660" r:id="rId1"/>
   </p:sldMasterIdLst>
   <p:notesMasterIdLst>
-    <p:notesMasterId r:id="rId19"/>
+    <p:notesMasterId r:id="rId20"/>
   </p:notesMasterIdLst>
   <p:sldIdLst>
     <p:sldId id="256" r:id="rId2"/>
     <p:sldId id="298" r:id="rId3"/>
     <p:sldId id="260" r:id="rId4"/>
-    <p:sldId id="258" r:id="rId5"/>
-    <p:sldId id="259" r:id="rId6"/>
-    <p:sldId id="272" r:id="rId7"/>
-    <p:sldId id="262" r:id="rId8"/>
-    <p:sldId id="261" r:id="rId9"/>
-    <p:sldId id="263" r:id="rId10"/>
-    <p:sldId id="264" r:id="rId11"/>
-    <p:sldId id="265" r:id="rId12"/>
-    <p:sldId id="266" r:id="rId13"/>
-    <p:sldId id="267" r:id="rId14"/>
-    <p:sldId id="268" r:id="rId15"/>
-    <p:sldId id="269" r:id="rId16"/>
-    <p:sldId id="270" r:id="rId17"/>
-    <p:sldId id="271" r:id="rId18"/>
+    <p:sldId id="299" r:id="rId5"/>
+    <p:sldId id="258" r:id="rId6"/>
+    <p:sldId id="259" r:id="rId7"/>
+    <p:sldId id="272" r:id="rId8"/>
+    <p:sldId id="262" r:id="rId9"/>
+    <p:sldId id="261" r:id="rId10"/>
+    <p:sldId id="263" r:id="rId11"/>
+    <p:sldId id="264" r:id="rId12"/>
+    <p:sldId id="265" r:id="rId13"/>
+    <p:sldId id="266" r:id="rId14"/>
+    <p:sldId id="267" r:id="rId15"/>
+    <p:sldId id="268" r:id="rId16"/>
+    <p:sldId id="269" r:id="rId17"/>
+    <p:sldId id="270" r:id="rId18"/>
+    <p:sldId id="271" r:id="rId19"/>
   </p:sldIdLst>
   <p:sldSz cx="9144000" cy="6858000" type="screen4x3"/>
   <p:notesSz cx="6858000" cy="9144000"/>
@@ -123,6 +124,11 @@
       </a:defRPr>
     </a:lvl9pPr>
   </p:defaultTextStyle>
+  <p:extLst>
+    <p:ext uri="{EFAFB233-063F-42B5-8137-9DF3F51BA10A}">
+      <p15:sldGuideLst xmlns:p15="http://schemas.microsoft.com/office/powerpoint/2012/main"/>
+    </p:ext>
+  </p:extLst>
 </p:presentation>
 </file>
 
@@ -208,7 +214,7 @@
           <a:p>
             <a:fld id="{E4D54E42-31AA-D145-9A0E-405DA98C50EF}" type="datetimeFigureOut">
               <a:rPr lang="en-US" smtClean="0"/>
-              <a:t>4/28/21</a:t>
+              <a:t>4/29/21</a:t>
             </a:fld>
             <a:endParaRPr lang="en-US"/>
           </a:p>
@@ -624,7 +630,7 @@
           <a:p>
             <a:fld id="{ADD4FB00-078C-1442-BBEC-E4C7ADBF3721}" type="slidenum">
               <a:rPr lang="en-US" smtClean="0"/>
-              <a:t>12</a:t>
+              <a:t>13</a:t>
             </a:fld>
             <a:endParaRPr lang="en-US"/>
           </a:p>
@@ -739,7 +745,7 @@
           <a:p>
             <a:fld id="{ADD4FB00-078C-1442-BBEC-E4C7ADBF3721}" type="slidenum">
               <a:rPr lang="en-US" smtClean="0"/>
-              <a:t>13</a:t>
+              <a:t>14</a:t>
             </a:fld>
             <a:endParaRPr lang="en-US"/>
           </a:p>
@@ -889,7 +895,7 @@
           <a:p>
             <a:fld id="{A5B5F292-F0F8-A64C-A0C2-1AB9856A8AC9}" type="datetimeFigureOut">
               <a:rPr lang="en-US" smtClean="0"/>
-              <a:t>4/27/21</a:t>
+              <a:t>4/29/21</a:t>
             </a:fld>
             <a:endParaRPr lang="en-US"/>
           </a:p>
@@ -1059,7 +1065,7 @@
           <a:p>
             <a:fld id="{A5B5F292-F0F8-A64C-A0C2-1AB9856A8AC9}" type="datetimeFigureOut">
               <a:rPr lang="en-US" smtClean="0"/>
-              <a:t>4/27/21</a:t>
+              <a:t>4/29/21</a:t>
             </a:fld>
             <a:endParaRPr lang="en-US"/>
           </a:p>
@@ -1239,7 +1245,7 @@
           <a:p>
             <a:fld id="{A5B5F292-F0F8-A64C-A0C2-1AB9856A8AC9}" type="datetimeFigureOut">
               <a:rPr lang="en-US" smtClean="0"/>
-              <a:t>4/27/21</a:t>
+              <a:t>4/29/21</a:t>
             </a:fld>
             <a:endParaRPr lang="en-US"/>
           </a:p>
@@ -1409,7 +1415,7 @@
           <a:p>
             <a:fld id="{A5B5F292-F0F8-A64C-A0C2-1AB9856A8AC9}" type="datetimeFigureOut">
               <a:rPr lang="en-US" smtClean="0"/>
-              <a:t>4/27/21</a:t>
+              <a:t>4/29/21</a:t>
             </a:fld>
             <a:endParaRPr lang="en-US"/>
           </a:p>
@@ -1653,7 +1659,7 @@
           <a:p>
             <a:fld id="{A5B5F292-F0F8-A64C-A0C2-1AB9856A8AC9}" type="datetimeFigureOut">
               <a:rPr lang="en-US" smtClean="0"/>
-              <a:t>4/27/21</a:t>
+              <a:t>4/29/21</a:t>
             </a:fld>
             <a:endParaRPr lang="en-US"/>
           </a:p>
@@ -1885,7 +1891,7 @@
           <a:p>
             <a:fld id="{A5B5F292-F0F8-A64C-A0C2-1AB9856A8AC9}" type="datetimeFigureOut">
               <a:rPr lang="en-US" smtClean="0"/>
-              <a:t>4/27/21</a:t>
+              <a:t>4/29/21</a:t>
             </a:fld>
             <a:endParaRPr lang="en-US"/>
           </a:p>
@@ -2252,7 +2258,7 @@
           <a:p>
             <a:fld id="{A5B5F292-F0F8-A64C-A0C2-1AB9856A8AC9}" type="datetimeFigureOut">
               <a:rPr lang="en-US" smtClean="0"/>
-              <a:t>4/27/21</a:t>
+              <a:t>4/29/21</a:t>
             </a:fld>
             <a:endParaRPr lang="en-US"/>
           </a:p>
@@ -2370,7 +2376,7 @@
           <a:p>
             <a:fld id="{A5B5F292-F0F8-A64C-A0C2-1AB9856A8AC9}" type="datetimeFigureOut">
               <a:rPr lang="en-US" smtClean="0"/>
-              <a:t>4/27/21</a:t>
+              <a:t>4/29/21</a:t>
             </a:fld>
             <a:endParaRPr lang="en-US"/>
           </a:p>
@@ -2465,7 +2471,7 @@
           <a:p>
             <a:fld id="{A5B5F292-F0F8-A64C-A0C2-1AB9856A8AC9}" type="datetimeFigureOut">
               <a:rPr lang="en-US" smtClean="0"/>
-              <a:t>4/27/21</a:t>
+              <a:t>4/29/21</a:t>
             </a:fld>
             <a:endParaRPr lang="en-US"/>
           </a:p>
@@ -2742,7 +2748,7 @@
           <a:p>
             <a:fld id="{A5B5F292-F0F8-A64C-A0C2-1AB9856A8AC9}" type="datetimeFigureOut">
               <a:rPr lang="en-US" smtClean="0"/>
-              <a:t>4/27/21</a:t>
+              <a:t>4/29/21</a:t>
             </a:fld>
             <a:endParaRPr lang="en-US"/>
           </a:p>
@@ -2999,7 +3005,7 @@
           <a:p>
             <a:fld id="{A5B5F292-F0F8-A64C-A0C2-1AB9856A8AC9}" type="datetimeFigureOut">
               <a:rPr lang="en-US" smtClean="0"/>
-              <a:t>4/27/21</a:t>
+              <a:t>4/29/21</a:t>
             </a:fld>
             <a:endParaRPr lang="en-US"/>
           </a:p>
@@ -3212,7 +3218,7 @@
           <a:p>
             <a:fld id="{A5B5F292-F0F8-A64C-A0C2-1AB9856A8AC9}" type="datetimeFigureOut">
               <a:rPr lang="en-US" smtClean="0"/>
-              <a:t>4/27/21</a:t>
+              <a:t>4/29/21</a:t>
             </a:fld>
             <a:endParaRPr lang="en-US"/>
           </a:p>
@@ -3773,396 +3779,160 @@
           <a:p>
             <a:r>
               <a:rPr lang="en-US" sz="3200" dirty="0"/>
-              <a:t>Display image 1</a:t>
-            </a:r>
-          </a:p>
-        </p:txBody>
-      </p:sp>
-      <p:sp>
-        <p:nvSpPr>
-          <p:cNvPr id="3" name="Rectangle 2">
+              <a:t>Ten classes</a:t>
+            </a:r>
+          </a:p>
+        </p:txBody>
+      </p:sp>
+      <p:sp>
+        <p:nvSpPr>
+          <p:cNvPr id="3" name="TextBox 2">
             <a:extLst>
               <a:ext uri="{FF2B5EF4-FFF2-40B4-BE49-F238E27FC236}">
-                <a16:creationId xmlns:a16="http://schemas.microsoft.com/office/drawing/2014/main" id="{0F31E001-A520-3E41-AABA-695DADE1256C}"/>
+                <a16:creationId xmlns:a16="http://schemas.microsoft.com/office/drawing/2014/main" id="{C1BB16C5-10E5-D94D-A2CD-750C7F611591}"/>
               </a:ext>
             </a:extLst>
           </p:cNvPr>
-          <p:cNvSpPr/>
+          <p:cNvSpPr txBox="1"/>
           <p:nvPr/>
         </p:nvSpPr>
         <p:spPr>
           <a:xfrm>
-            <a:off x="154378" y="1168338"/>
-            <a:ext cx="8942120" cy="5016758"/>
+            <a:off x="296883" y="2090057"/>
+            <a:ext cx="4493538" cy="3170099"/>
+          </a:xfrm>
+          <a:prstGeom prst="rect">
+            <a:avLst/>
+          </a:prstGeom>
+          <a:noFill/>
+        </p:spPr>
+        <p:txBody>
+          <a:bodyPr wrap="none" rtlCol="0">
+            <a:spAutoFit/>
+          </a:bodyPr>
+          <a:lstStyle/>
+          <a:p>
+            <a:r>
+              <a:rPr lang="en-US" sz="2000" dirty="0" err="1">
+                <a:latin typeface="Courier" pitchFamily="2" charset="0"/>
+              </a:rPr>
+              <a:t>class_names</a:t>
+            </a:r>
+            <a:r>
+              <a:rPr lang="en-US" sz="2000" dirty="0">
+                <a:latin typeface="Courier" pitchFamily="2" charset="0"/>
+              </a:rPr>
+              <a:t>=c('T-shirt/top',</a:t>
+            </a:r>
+          </a:p>
+          <a:p>
+            <a:r>
+              <a:rPr lang="en-US" sz="2000" dirty="0">
+                <a:latin typeface="Courier" pitchFamily="2" charset="0"/>
+              </a:rPr>
+              <a:t>              'Trouser',</a:t>
+            </a:r>
+          </a:p>
+          <a:p>
+            <a:r>
+              <a:rPr lang="en-US" sz="2000" dirty="0">
+                <a:latin typeface="Courier" pitchFamily="2" charset="0"/>
+              </a:rPr>
+              <a:t>              'Pullover',</a:t>
+            </a:r>
+          </a:p>
+          <a:p>
+            <a:r>
+              <a:rPr lang="en-US" sz="2000" dirty="0">
+                <a:latin typeface="Courier" pitchFamily="2" charset="0"/>
+              </a:rPr>
+              <a:t>              'Dress',</a:t>
+            </a:r>
+          </a:p>
+          <a:p>
+            <a:r>
+              <a:rPr lang="en-US" sz="2000" dirty="0">
+                <a:latin typeface="Courier" pitchFamily="2" charset="0"/>
+              </a:rPr>
+              <a:t>              'Coat', </a:t>
+            </a:r>
+          </a:p>
+          <a:p>
+            <a:r>
+              <a:rPr lang="en-US" sz="2000" dirty="0">
+                <a:latin typeface="Courier" pitchFamily="2" charset="0"/>
+              </a:rPr>
+              <a:t>              'Sandal',</a:t>
+            </a:r>
+          </a:p>
+          <a:p>
+            <a:r>
+              <a:rPr lang="en-US" sz="2000" dirty="0">
+                <a:latin typeface="Courier" pitchFamily="2" charset="0"/>
+              </a:rPr>
+              <a:t>              'Shirt',</a:t>
+            </a:r>
+          </a:p>
+          <a:p>
+            <a:r>
+              <a:rPr lang="en-US" sz="2000" dirty="0">
+                <a:latin typeface="Courier" pitchFamily="2" charset="0"/>
+              </a:rPr>
+              <a:t>              'Sneaker',</a:t>
+            </a:r>
+          </a:p>
+          <a:p>
+            <a:r>
+              <a:rPr lang="en-US" sz="2000" dirty="0">
+                <a:latin typeface="Courier" pitchFamily="2" charset="0"/>
+              </a:rPr>
+              <a:t>              'Bag',</a:t>
+            </a:r>
+          </a:p>
+          <a:p>
+            <a:r>
+              <a:rPr lang="en-US" sz="2000" dirty="0">
+                <a:latin typeface="Courier" pitchFamily="2" charset="0"/>
+              </a:rPr>
+              <a:t>              'Ankle boot')</a:t>
+            </a:r>
+          </a:p>
+        </p:txBody>
+      </p:sp>
+      <p:pic>
+        <p:nvPicPr>
+          <p:cNvPr id="4" name="Picture 3" descr="A picture containing graphical user interface&#10;&#10;Description automatically generated">
+            <a:extLst>
+              <a:ext uri="{FF2B5EF4-FFF2-40B4-BE49-F238E27FC236}">
+                <a16:creationId xmlns:a16="http://schemas.microsoft.com/office/drawing/2014/main" id="{583CA427-A6E7-404A-A8FB-19836BA3EC1C}"/>
+              </a:ext>
+            </a:extLst>
+          </p:cNvPr>
+          <p:cNvPicPr>
+            <a:picLocks noChangeAspect="1"/>
+          </p:cNvPicPr>
+          <p:nvPr/>
+        </p:nvPicPr>
+        <p:blipFill>
+          <a:blip r:embed="rId2"/>
+          <a:stretch>
+            <a:fillRect/>
+          </a:stretch>
+        </p:blipFill>
+        <p:spPr>
+          <a:xfrm>
+            <a:off x="4937872" y="1997640"/>
+            <a:ext cx="3909245" cy="3262516"/>
           </a:xfrm>
           <a:prstGeom prst="rect">
             <a:avLst/>
           </a:prstGeom>
         </p:spPr>
-        <p:txBody>
-          <a:bodyPr wrap="square">
-            <a:spAutoFit/>
-          </a:bodyPr>
-          <a:lstStyle/>
-          <a:p>
-            <a:r>
-              <a:rPr lang="en-US" sz="2000" dirty="0">
-                <a:latin typeface="Courier" pitchFamily="2" charset="0"/>
-              </a:rPr>
-              <a:t>image_1 &lt;- </a:t>
-            </a:r>
-            <a:r>
-              <a:rPr lang="en-US" sz="2000" dirty="0" err="1">
-                <a:latin typeface="Courier" pitchFamily="2" charset="0"/>
-              </a:rPr>
-              <a:t>as.data.frame</a:t>
-            </a:r>
-            <a:r>
-              <a:rPr lang="en-US" sz="2000" dirty="0">
-                <a:latin typeface="Courier" pitchFamily="2" charset="0"/>
-              </a:rPr>
-              <a:t>(</a:t>
-            </a:r>
-            <a:r>
-              <a:rPr lang="en-US" sz="2000" dirty="0" err="1">
-                <a:latin typeface="Courier" pitchFamily="2" charset="0"/>
-              </a:rPr>
-              <a:t>train_images</a:t>
-            </a:r>
-            <a:r>
-              <a:rPr lang="en-US" sz="2000" dirty="0">
-                <a:latin typeface="Courier" pitchFamily="2" charset="0"/>
-              </a:rPr>
-              <a:t>[1, , ])</a:t>
-            </a:r>
-          </a:p>
-          <a:p>
-            <a:r>
-              <a:rPr lang="en-US" sz="2000" dirty="0" err="1">
-                <a:latin typeface="Courier" pitchFamily="2" charset="0"/>
-              </a:rPr>
-              <a:t>colnames</a:t>
-            </a:r>
-            <a:r>
-              <a:rPr lang="en-US" sz="2000" dirty="0">
-                <a:latin typeface="Courier" pitchFamily="2" charset="0"/>
-              </a:rPr>
-              <a:t>(image_1) &lt;- </a:t>
-            </a:r>
-            <a:r>
-              <a:rPr lang="en-US" sz="2000" dirty="0" err="1">
-                <a:latin typeface="Courier" pitchFamily="2" charset="0"/>
-              </a:rPr>
-              <a:t>seq_len</a:t>
-            </a:r>
-            <a:r>
-              <a:rPr lang="en-US" sz="2000" dirty="0">
-                <a:latin typeface="Courier" pitchFamily="2" charset="0"/>
-              </a:rPr>
-              <a:t>(</a:t>
-            </a:r>
-            <a:r>
-              <a:rPr lang="en-US" sz="2000" dirty="0" err="1">
-                <a:latin typeface="Courier" pitchFamily="2" charset="0"/>
-              </a:rPr>
-              <a:t>ncol</a:t>
-            </a:r>
-            <a:r>
-              <a:rPr lang="en-US" sz="2000" dirty="0">
-                <a:latin typeface="Courier" pitchFamily="2" charset="0"/>
-              </a:rPr>
-              <a:t>(image_1))</a:t>
-            </a:r>
-          </a:p>
-          <a:p>
-            <a:r>
-              <a:rPr lang="en-US" sz="2000" dirty="0">
-                <a:latin typeface="Courier" pitchFamily="2" charset="0"/>
-              </a:rPr>
-              <a:t>image_1$y &lt;- </a:t>
-            </a:r>
-            <a:r>
-              <a:rPr lang="en-US" sz="2000" dirty="0" err="1">
-                <a:latin typeface="Courier" pitchFamily="2" charset="0"/>
-              </a:rPr>
-              <a:t>seq_len</a:t>
-            </a:r>
-            <a:r>
-              <a:rPr lang="en-US" sz="2000" dirty="0">
-                <a:latin typeface="Courier" pitchFamily="2" charset="0"/>
-              </a:rPr>
-              <a:t>(</a:t>
-            </a:r>
-            <a:r>
-              <a:rPr lang="en-US" sz="2000" dirty="0" err="1">
-                <a:latin typeface="Courier" pitchFamily="2" charset="0"/>
-              </a:rPr>
-              <a:t>nrow</a:t>
-            </a:r>
-            <a:r>
-              <a:rPr lang="en-US" sz="2000" dirty="0">
-                <a:latin typeface="Courier" pitchFamily="2" charset="0"/>
-              </a:rPr>
-              <a:t>(image_1))</a:t>
-            </a:r>
-          </a:p>
-          <a:p>
-            <a:r>
-              <a:rPr lang="en-US" sz="2000" dirty="0">
-                <a:latin typeface="Courier" pitchFamily="2" charset="0"/>
-              </a:rPr>
-              <a:t>image_1 &lt;- gather(image_1, "x", "value", -y)</a:t>
-            </a:r>
-          </a:p>
-          <a:p>
-            <a:r>
-              <a:rPr lang="en-US" sz="2000" dirty="0">
-                <a:latin typeface="Courier" pitchFamily="2" charset="0"/>
-              </a:rPr>
-              <a:t>image_1$x &lt;- </a:t>
-            </a:r>
-            <a:r>
-              <a:rPr lang="en-US" sz="2000" dirty="0" err="1">
-                <a:latin typeface="Courier" pitchFamily="2" charset="0"/>
-              </a:rPr>
-              <a:t>as.integer</a:t>
-            </a:r>
-            <a:r>
-              <a:rPr lang="en-US" sz="2000" dirty="0">
-                <a:latin typeface="Courier" pitchFamily="2" charset="0"/>
-              </a:rPr>
-              <a:t>(image_1$x)</a:t>
-            </a:r>
-          </a:p>
-          <a:p>
-            <a:endParaRPr lang="en-US" sz="2000" dirty="0">
-              <a:latin typeface="Courier" pitchFamily="2" charset="0"/>
-            </a:endParaRPr>
-          </a:p>
-          <a:p>
-            <a:r>
-              <a:rPr lang="en-US" sz="2000" dirty="0">
-                <a:latin typeface="Courier" pitchFamily="2" charset="0"/>
-              </a:rPr>
-              <a:t># plot the first image</a:t>
-            </a:r>
-          </a:p>
-          <a:p>
-            <a:r>
-              <a:rPr lang="en-US" sz="2000" dirty="0" err="1">
-                <a:latin typeface="Courier" pitchFamily="2" charset="0"/>
-              </a:rPr>
-              <a:t>ggplot</a:t>
-            </a:r>
-            <a:r>
-              <a:rPr lang="en-US" sz="2000" dirty="0">
-                <a:latin typeface="Courier" pitchFamily="2" charset="0"/>
-              </a:rPr>
-              <a:t>(image_1, </a:t>
-            </a:r>
-            <a:r>
-              <a:rPr lang="en-US" sz="2000" dirty="0" err="1">
-                <a:latin typeface="Courier" pitchFamily="2" charset="0"/>
-              </a:rPr>
-              <a:t>aes</a:t>
-            </a:r>
-            <a:r>
-              <a:rPr lang="en-US" sz="2000" dirty="0">
-                <a:latin typeface="Courier" pitchFamily="2" charset="0"/>
-              </a:rPr>
-              <a:t>(x = x, y = y, fill = value)) +</a:t>
-            </a:r>
-          </a:p>
-          <a:p>
-            <a:r>
-              <a:rPr lang="en-US" sz="2000" dirty="0">
-                <a:latin typeface="Courier" pitchFamily="2" charset="0"/>
-              </a:rPr>
-              <a:t>  </a:t>
-            </a:r>
-            <a:r>
-              <a:rPr lang="en-US" sz="2000" dirty="0" err="1">
-                <a:latin typeface="Courier" pitchFamily="2" charset="0"/>
-              </a:rPr>
-              <a:t>geom_tile</a:t>
-            </a:r>
-            <a:r>
-              <a:rPr lang="en-US" sz="2000" dirty="0">
-                <a:latin typeface="Courier" pitchFamily="2" charset="0"/>
-              </a:rPr>
-              <a:t>() +</a:t>
-            </a:r>
-          </a:p>
-          <a:p>
-            <a:r>
-              <a:rPr lang="en-US" sz="2000" dirty="0">
-                <a:latin typeface="Courier" pitchFamily="2" charset="0"/>
-              </a:rPr>
-              <a:t>  </a:t>
-            </a:r>
-            <a:r>
-              <a:rPr lang="en-US" dirty="0" err="1">
-                <a:latin typeface="Courier" pitchFamily="2" charset="0"/>
-              </a:rPr>
-              <a:t>scale_fill_gradient</a:t>
-            </a:r>
-            <a:r>
-              <a:rPr lang="en-US" dirty="0">
-                <a:latin typeface="Courier" pitchFamily="2" charset="0"/>
-              </a:rPr>
-              <a:t>(low="white", high="black", </a:t>
-            </a:r>
-            <a:r>
-              <a:rPr lang="en-US" dirty="0" err="1">
-                <a:latin typeface="Courier" pitchFamily="2" charset="0"/>
-              </a:rPr>
-              <a:t>na.value</a:t>
-            </a:r>
-            <a:r>
-              <a:rPr lang="en-US" dirty="0">
-                <a:latin typeface="Courier" pitchFamily="2" charset="0"/>
-              </a:rPr>
-              <a:t>=NA) +</a:t>
-            </a:r>
-          </a:p>
-          <a:p>
-            <a:r>
-              <a:rPr lang="en-US" sz="2000" dirty="0">
-                <a:latin typeface="Courier" pitchFamily="2" charset="0"/>
-              </a:rPr>
-              <a:t>  </a:t>
-            </a:r>
-            <a:r>
-              <a:rPr lang="en-US" sz="2000" dirty="0" err="1">
-                <a:latin typeface="Courier" pitchFamily="2" charset="0"/>
-              </a:rPr>
-              <a:t>scale_y_reverse</a:t>
-            </a:r>
-            <a:r>
-              <a:rPr lang="en-US" sz="2000" dirty="0">
-                <a:latin typeface="Courier" pitchFamily="2" charset="0"/>
-              </a:rPr>
-              <a:t>() +</a:t>
-            </a:r>
-          </a:p>
-          <a:p>
-            <a:r>
-              <a:rPr lang="en-US" sz="2000" dirty="0">
-                <a:latin typeface="Courier" pitchFamily="2" charset="0"/>
-              </a:rPr>
-              <a:t>  </a:t>
-            </a:r>
-            <a:r>
-              <a:rPr lang="en-US" sz="2000" dirty="0" err="1">
-                <a:latin typeface="Courier" pitchFamily="2" charset="0"/>
-              </a:rPr>
-              <a:t>theme_minimal</a:t>
-            </a:r>
-            <a:r>
-              <a:rPr lang="en-US" sz="2000" dirty="0">
-                <a:latin typeface="Courier" pitchFamily="2" charset="0"/>
-              </a:rPr>
-              <a:t>() +</a:t>
-            </a:r>
-          </a:p>
-          <a:p>
-            <a:r>
-              <a:rPr lang="en-US" sz="2000" dirty="0">
-                <a:latin typeface="Courier" pitchFamily="2" charset="0"/>
-              </a:rPr>
-              <a:t>  theme(</a:t>
-            </a:r>
-            <a:r>
-              <a:rPr lang="en-US" sz="2000" dirty="0" err="1">
-                <a:latin typeface="Courier" pitchFamily="2" charset="0"/>
-              </a:rPr>
-              <a:t>panel.grid</a:t>
-            </a:r>
-            <a:r>
-              <a:rPr lang="en-US" sz="2000" dirty="0">
-                <a:latin typeface="Courier" pitchFamily="2" charset="0"/>
-              </a:rPr>
-              <a:t> = </a:t>
-            </a:r>
-            <a:r>
-              <a:rPr lang="en-US" sz="2000" dirty="0" err="1">
-                <a:latin typeface="Courier" pitchFamily="2" charset="0"/>
-              </a:rPr>
-              <a:t>element_blank</a:t>
-            </a:r>
-            <a:r>
-              <a:rPr lang="en-US" sz="2000" dirty="0">
-                <a:latin typeface="Courier" pitchFamily="2" charset="0"/>
-              </a:rPr>
-              <a:t>())   +</a:t>
-            </a:r>
-          </a:p>
-          <a:p>
-            <a:r>
-              <a:rPr lang="en-US" sz="2000" dirty="0">
-                <a:latin typeface="Courier" pitchFamily="2" charset="0"/>
-              </a:rPr>
-              <a:t>  theme(</a:t>
-            </a:r>
-            <a:r>
-              <a:rPr lang="en-US" sz="2000" dirty="0" err="1">
-                <a:latin typeface="Courier" pitchFamily="2" charset="0"/>
-              </a:rPr>
-              <a:t>aspect.ratio</a:t>
-            </a:r>
-            <a:r>
-              <a:rPr lang="en-US" sz="2000" dirty="0">
-                <a:latin typeface="Courier" pitchFamily="2" charset="0"/>
-              </a:rPr>
-              <a:t> = 1) +</a:t>
-            </a:r>
-          </a:p>
-          <a:p>
-            <a:r>
-              <a:rPr lang="en-US" sz="2000" dirty="0">
-                <a:latin typeface="Courier" pitchFamily="2" charset="0"/>
-              </a:rPr>
-              <a:t>  </a:t>
-            </a:r>
-            <a:r>
-              <a:rPr lang="en-US" sz="2000" dirty="0" err="1">
-                <a:latin typeface="Courier" pitchFamily="2" charset="0"/>
-              </a:rPr>
-              <a:t>xlab</a:t>
-            </a:r>
-            <a:r>
-              <a:rPr lang="en-US" sz="2000" dirty="0">
-                <a:latin typeface="Courier" pitchFamily="2" charset="0"/>
-              </a:rPr>
-              <a:t>("") +</a:t>
-            </a:r>
-          </a:p>
-          <a:p>
-            <a:r>
-              <a:rPr lang="en-US" sz="2000" dirty="0">
-                <a:latin typeface="Courier" pitchFamily="2" charset="0"/>
-              </a:rPr>
-              <a:t>  </a:t>
-            </a:r>
-            <a:r>
-              <a:rPr lang="en-US" sz="2000" dirty="0" err="1">
-                <a:latin typeface="Courier" pitchFamily="2" charset="0"/>
-              </a:rPr>
-              <a:t>ylab</a:t>
-            </a:r>
-            <a:r>
-              <a:rPr lang="en-US" sz="2000" dirty="0">
-                <a:latin typeface="Courier" pitchFamily="2" charset="0"/>
-              </a:rPr>
-              <a:t>("")</a:t>
-            </a:r>
-          </a:p>
-        </p:txBody>
-      </p:sp>
+      </p:pic>
     </p:spTree>
     <p:extLst>
       <p:ext uri="{BB962C8B-B14F-4D97-AF65-F5344CB8AC3E}">
-        <p14:creationId xmlns:p14="http://schemas.microsoft.com/office/powerpoint/2010/main" val="2212470834"/>
+        <p14:creationId xmlns:p14="http://schemas.microsoft.com/office/powerpoint/2010/main" val="1842324567"/>
       </p:ext>
     </p:extLst>
   </p:cSld>
@@ -4219,123 +3989,388 @@
           <a:p>
             <a:r>
               <a:rPr lang="en-US" sz="3200" dirty="0"/>
-              <a:t>Scale image data</a:t>
-            </a:r>
-          </a:p>
-        </p:txBody>
-      </p:sp>
-      <p:sp>
-        <p:nvSpPr>
-          <p:cNvPr id="3" name="TextBox 2">
+              <a:t>Display image 1</a:t>
+            </a:r>
+          </a:p>
+        </p:txBody>
+      </p:sp>
+      <p:sp>
+        <p:nvSpPr>
+          <p:cNvPr id="3" name="Rectangle 2">
             <a:extLst>
               <a:ext uri="{FF2B5EF4-FFF2-40B4-BE49-F238E27FC236}">
-                <a16:creationId xmlns:a16="http://schemas.microsoft.com/office/drawing/2014/main" id="{F8DD8504-631E-6341-AE9B-7ADFCB46F3AC}"/>
+                <a16:creationId xmlns:a16="http://schemas.microsoft.com/office/drawing/2014/main" id="{0F31E001-A520-3E41-AABA-695DADE1256C}"/>
               </a:ext>
             </a:extLst>
           </p:cNvPr>
-          <p:cNvSpPr txBox="1"/>
+          <p:cNvSpPr/>
           <p:nvPr/>
         </p:nvSpPr>
         <p:spPr>
           <a:xfrm>
-            <a:off x="628650" y="3429000"/>
-            <a:ext cx="5416868" cy="707886"/>
+            <a:off x="154378" y="1168338"/>
+            <a:ext cx="8942120" cy="5016758"/>
           </a:xfrm>
           <a:prstGeom prst="rect">
             <a:avLst/>
           </a:prstGeom>
-          <a:noFill/>
         </p:spPr>
         <p:txBody>
-          <a:bodyPr wrap="none" rtlCol="0">
+          <a:bodyPr wrap="square">
             <a:spAutoFit/>
           </a:bodyPr>
           <a:lstStyle/>
           <a:p>
             <a:r>
+              <a:rPr lang="en-US" sz="2000" dirty="0">
+                <a:latin typeface="Courier" pitchFamily="2" charset="0"/>
+              </a:rPr>
+              <a:t>image_1 &lt;- </a:t>
+            </a:r>
+            <a:r>
               <a:rPr lang="en-US" sz="2000" dirty="0" err="1">
                 <a:latin typeface="Courier" pitchFamily="2" charset="0"/>
               </a:rPr>
+              <a:t>as.data.frame</a:t>
+            </a:r>
+            <a:r>
+              <a:rPr lang="en-US" sz="2000" dirty="0">
+                <a:latin typeface="Courier" pitchFamily="2" charset="0"/>
+              </a:rPr>
+              <a:t>(</a:t>
+            </a:r>
+            <a:r>
+              <a:rPr lang="en-US" sz="2000" dirty="0" err="1">
+                <a:latin typeface="Courier" pitchFamily="2" charset="0"/>
+              </a:rPr>
               <a:t>train_images</a:t>
             </a:r>
             <a:r>
               <a:rPr lang="en-US" sz="2000" dirty="0">
                 <a:latin typeface="Courier" pitchFamily="2" charset="0"/>
               </a:rPr>
-              <a:t> &lt;- </a:t>
-            </a:r>
+              <a:t>[1, , ])</a:t>
+            </a:r>
+          </a:p>
+          <a:p>
             <a:r>
               <a:rPr lang="en-US" sz="2000" dirty="0" err="1">
                 <a:latin typeface="Courier" pitchFamily="2" charset="0"/>
               </a:rPr>
-              <a:t>train_images</a:t>
-            </a:r>
-            <a:r>
-              <a:rPr lang="en-US" sz="2000" dirty="0">
-                <a:latin typeface="Courier" pitchFamily="2" charset="0"/>
-              </a:rPr>
-              <a:t> / 255</a:t>
-            </a:r>
-          </a:p>
-          <a:p>
+              <a:t>colnames</a:t>
+            </a:r>
+            <a:r>
+              <a:rPr lang="en-US" sz="2000" dirty="0">
+                <a:latin typeface="Courier" pitchFamily="2" charset="0"/>
+              </a:rPr>
+              <a:t>(image_1) &lt;- </a:t>
+            </a:r>
             <a:r>
               <a:rPr lang="en-US" sz="2000" dirty="0" err="1">
                 <a:latin typeface="Courier" pitchFamily="2" charset="0"/>
               </a:rPr>
-              <a:t>test_images</a:t>
-            </a:r>
-            <a:r>
-              <a:rPr lang="en-US" sz="2000" dirty="0">
-                <a:latin typeface="Courier" pitchFamily="2" charset="0"/>
-              </a:rPr>
-              <a:t> &lt;- </a:t>
+              <a:t>seq_len</a:t>
+            </a:r>
+            <a:r>
+              <a:rPr lang="en-US" sz="2000" dirty="0">
+                <a:latin typeface="Courier" pitchFamily="2" charset="0"/>
+              </a:rPr>
+              <a:t>(</a:t>
             </a:r>
             <a:r>
               <a:rPr lang="en-US" sz="2000" dirty="0" err="1">
                 <a:latin typeface="Courier" pitchFamily="2" charset="0"/>
               </a:rPr>
-              <a:t>test_images</a:t>
-            </a:r>
-            <a:r>
-              <a:rPr lang="en-US" sz="2000" dirty="0">
-                <a:latin typeface="Courier" pitchFamily="2" charset="0"/>
-              </a:rPr>
-              <a:t> / 255</a:t>
-            </a:r>
-          </a:p>
-        </p:txBody>
-      </p:sp>
-      <p:sp>
-        <p:nvSpPr>
-          <p:cNvPr id="4" name="TextBox 3">
-            <a:extLst>
-              <a:ext uri="{FF2B5EF4-FFF2-40B4-BE49-F238E27FC236}">
-                <a16:creationId xmlns:a16="http://schemas.microsoft.com/office/drawing/2014/main" id="{6BE861CE-D12D-B54D-8879-4E41F2091578}"/>
-              </a:ext>
-            </a:extLst>
-          </p:cNvPr>
-          <p:cNvSpPr txBox="1"/>
-          <p:nvPr/>
-        </p:nvSpPr>
-        <p:spPr>
-          <a:xfrm>
-            <a:off x="628650" y="1659459"/>
-            <a:ext cx="8028462" cy="830997"/>
-          </a:xfrm>
-          <a:prstGeom prst="rect">
-            <a:avLst/>
-          </a:prstGeom>
-          <a:noFill/>
-        </p:spPr>
-        <p:txBody>
-          <a:bodyPr wrap="square" rtlCol="0">
-            <a:spAutoFit/>
-          </a:bodyPr>
-          <a:lstStyle/>
-          <a:p>
-            <a:r>
-              <a:rPr lang="en-US" sz="2400" dirty="0"/>
-              <a:t># scale these values to a range of 0 to 1 before feeding to the neural network model. </a:t>
+              <a:t>ncol</a:t>
+            </a:r>
+            <a:r>
+              <a:rPr lang="en-US" sz="2000" dirty="0">
+                <a:latin typeface="Courier" pitchFamily="2" charset="0"/>
+              </a:rPr>
+              <a:t>(image_1))</a:t>
+            </a:r>
+          </a:p>
+          <a:p>
+            <a:r>
+              <a:rPr lang="en-US" sz="2000" dirty="0">
+                <a:latin typeface="Courier" pitchFamily="2" charset="0"/>
+              </a:rPr>
+              <a:t>image_1$y &lt;- </a:t>
+            </a:r>
+            <a:r>
+              <a:rPr lang="en-US" sz="2000" dirty="0" err="1">
+                <a:latin typeface="Courier" pitchFamily="2" charset="0"/>
+              </a:rPr>
+              <a:t>seq_len</a:t>
+            </a:r>
+            <a:r>
+              <a:rPr lang="en-US" sz="2000" dirty="0">
+                <a:latin typeface="Courier" pitchFamily="2" charset="0"/>
+              </a:rPr>
+              <a:t>(</a:t>
+            </a:r>
+            <a:r>
+              <a:rPr lang="en-US" sz="2000" dirty="0" err="1">
+                <a:latin typeface="Courier" pitchFamily="2" charset="0"/>
+              </a:rPr>
+              <a:t>nrow</a:t>
+            </a:r>
+            <a:r>
+              <a:rPr lang="en-US" sz="2000" dirty="0">
+                <a:latin typeface="Courier" pitchFamily="2" charset="0"/>
+              </a:rPr>
+              <a:t>(image_1))</a:t>
+            </a:r>
+          </a:p>
+          <a:p>
+            <a:r>
+              <a:rPr lang="en-US" sz="2000" dirty="0">
+                <a:latin typeface="Courier" pitchFamily="2" charset="0"/>
+              </a:rPr>
+              <a:t>image_1 &lt;- gather(image_1, "x", "value", -y)</a:t>
+            </a:r>
+          </a:p>
+          <a:p>
+            <a:r>
+              <a:rPr lang="en-US" sz="2000" dirty="0">
+                <a:latin typeface="Courier" pitchFamily="2" charset="0"/>
+              </a:rPr>
+              <a:t>image_1$x &lt;- </a:t>
+            </a:r>
+            <a:r>
+              <a:rPr lang="en-US" sz="2000" dirty="0" err="1">
+                <a:latin typeface="Courier" pitchFamily="2" charset="0"/>
+              </a:rPr>
+              <a:t>as.integer</a:t>
+            </a:r>
+            <a:r>
+              <a:rPr lang="en-US" sz="2000" dirty="0">
+                <a:latin typeface="Courier" pitchFamily="2" charset="0"/>
+              </a:rPr>
+              <a:t>(image_1$x)</a:t>
+            </a:r>
+          </a:p>
+          <a:p>
+            <a:endParaRPr lang="en-US" sz="2000" dirty="0">
+              <a:latin typeface="Courier" pitchFamily="2" charset="0"/>
+            </a:endParaRPr>
+          </a:p>
+          <a:p>
+            <a:r>
+              <a:rPr lang="en-US" sz="2000" dirty="0">
+                <a:latin typeface="Courier" pitchFamily="2" charset="0"/>
+              </a:rPr>
+              <a:t># plot the first image</a:t>
+            </a:r>
+          </a:p>
+          <a:p>
+            <a:r>
+              <a:rPr lang="en-US" sz="2000" dirty="0" err="1">
+                <a:latin typeface="Courier" pitchFamily="2" charset="0"/>
+              </a:rPr>
+              <a:t>ggplot</a:t>
+            </a:r>
+            <a:r>
+              <a:rPr lang="en-US" sz="2000" dirty="0">
+                <a:latin typeface="Courier" pitchFamily="2" charset="0"/>
+              </a:rPr>
+              <a:t>(image_1, </a:t>
+            </a:r>
+            <a:r>
+              <a:rPr lang="en-US" sz="2000" dirty="0" err="1">
+                <a:latin typeface="Courier" pitchFamily="2" charset="0"/>
+              </a:rPr>
+              <a:t>aes</a:t>
+            </a:r>
+            <a:r>
+              <a:rPr lang="en-US" sz="2000" dirty="0">
+                <a:latin typeface="Courier" pitchFamily="2" charset="0"/>
+              </a:rPr>
+              <a:t>(x = x, y = y, fill = value)) +</a:t>
+            </a:r>
+          </a:p>
+          <a:p>
+            <a:r>
+              <a:rPr lang="en-US" sz="2000" dirty="0">
+                <a:latin typeface="Courier" pitchFamily="2" charset="0"/>
+              </a:rPr>
+              <a:t>  </a:t>
+            </a:r>
+            <a:r>
+              <a:rPr lang="en-US" sz="2000" dirty="0" err="1">
+                <a:latin typeface="Courier" pitchFamily="2" charset="0"/>
+              </a:rPr>
+              <a:t>geom_tile</a:t>
+            </a:r>
+            <a:r>
+              <a:rPr lang="en-US" sz="2000" dirty="0">
+                <a:latin typeface="Courier" pitchFamily="2" charset="0"/>
+              </a:rPr>
+              <a:t>() +</a:t>
+            </a:r>
+          </a:p>
+          <a:p>
+            <a:r>
+              <a:rPr lang="en-US" sz="2000" dirty="0">
+                <a:latin typeface="Courier" pitchFamily="2" charset="0"/>
+              </a:rPr>
+              <a:t>  </a:t>
+            </a:r>
+            <a:r>
+              <a:rPr lang="en-US" dirty="0" err="1">
+                <a:latin typeface="Courier" pitchFamily="2" charset="0"/>
+              </a:rPr>
+              <a:t>scale_fill_gradient</a:t>
+            </a:r>
+            <a:r>
+              <a:rPr lang="en-US" dirty="0">
+                <a:latin typeface="Courier" pitchFamily="2" charset="0"/>
+              </a:rPr>
+              <a:t>(low="white", high="black", </a:t>
+            </a:r>
+            <a:r>
+              <a:rPr lang="en-US" dirty="0" err="1">
+                <a:latin typeface="Courier" pitchFamily="2" charset="0"/>
+              </a:rPr>
+              <a:t>na.value</a:t>
+            </a:r>
+            <a:r>
+              <a:rPr lang="en-US" dirty="0">
+                <a:latin typeface="Courier" pitchFamily="2" charset="0"/>
+              </a:rPr>
+              <a:t>=NA) +</a:t>
+            </a:r>
+          </a:p>
+          <a:p>
+            <a:r>
+              <a:rPr lang="en-US" sz="2000" dirty="0">
+                <a:latin typeface="Courier" pitchFamily="2" charset="0"/>
+              </a:rPr>
+              <a:t>  </a:t>
+            </a:r>
+            <a:r>
+              <a:rPr lang="en-US" sz="2000" dirty="0" err="1">
+                <a:latin typeface="Courier" pitchFamily="2" charset="0"/>
+              </a:rPr>
+              <a:t>scale_y_reverse</a:t>
+            </a:r>
+            <a:r>
+              <a:rPr lang="en-US" sz="2000" dirty="0">
+                <a:latin typeface="Courier" pitchFamily="2" charset="0"/>
+              </a:rPr>
+              <a:t>() +</a:t>
+            </a:r>
+          </a:p>
+          <a:p>
+            <a:r>
+              <a:rPr lang="en-US" sz="2000" dirty="0">
+                <a:latin typeface="Courier" pitchFamily="2" charset="0"/>
+              </a:rPr>
+              <a:t>  </a:t>
+            </a:r>
+            <a:r>
+              <a:rPr lang="en-US" sz="2000" dirty="0" err="1">
+                <a:latin typeface="Courier" pitchFamily="2" charset="0"/>
+              </a:rPr>
+              <a:t>theme_minimal</a:t>
+            </a:r>
+            <a:r>
+              <a:rPr lang="en-US" sz="2000" dirty="0">
+                <a:latin typeface="Courier" pitchFamily="2" charset="0"/>
+              </a:rPr>
+              <a:t>() +</a:t>
+            </a:r>
+          </a:p>
+          <a:p>
+            <a:r>
+              <a:rPr lang="en-US" sz="2000" dirty="0">
+                <a:latin typeface="Courier" pitchFamily="2" charset="0"/>
+              </a:rPr>
+              <a:t>  theme(</a:t>
+            </a:r>
+            <a:r>
+              <a:rPr lang="en-US" sz="2000" dirty="0" err="1">
+                <a:latin typeface="Courier" pitchFamily="2" charset="0"/>
+              </a:rPr>
+              <a:t>panel.grid</a:t>
+            </a:r>
+            <a:r>
+              <a:rPr lang="en-US" sz="2000" dirty="0">
+                <a:latin typeface="Courier" pitchFamily="2" charset="0"/>
+              </a:rPr>
+              <a:t> = </a:t>
+            </a:r>
+            <a:r>
+              <a:rPr lang="en-US" sz="2000" dirty="0" err="1">
+                <a:latin typeface="Courier" pitchFamily="2" charset="0"/>
+              </a:rPr>
+              <a:t>element_blank</a:t>
+            </a:r>
+            <a:r>
+              <a:rPr lang="en-US" sz="2000" dirty="0">
+                <a:latin typeface="Courier" pitchFamily="2" charset="0"/>
+              </a:rPr>
+              <a:t>())   +</a:t>
+            </a:r>
+          </a:p>
+          <a:p>
+            <a:r>
+              <a:rPr lang="en-US" sz="2000" dirty="0">
+                <a:latin typeface="Courier" pitchFamily="2" charset="0"/>
+              </a:rPr>
+              <a:t>  theme(</a:t>
+            </a:r>
+            <a:r>
+              <a:rPr lang="en-US" sz="2000" dirty="0" err="1">
+                <a:latin typeface="Courier" pitchFamily="2" charset="0"/>
+              </a:rPr>
+              <a:t>aspect.ratio</a:t>
+            </a:r>
+            <a:r>
+              <a:rPr lang="en-US" sz="2000" dirty="0">
+                <a:latin typeface="Courier" pitchFamily="2" charset="0"/>
+              </a:rPr>
+              <a:t> = 1) +</a:t>
+            </a:r>
+          </a:p>
+          <a:p>
+            <a:r>
+              <a:rPr lang="en-US" sz="2000" dirty="0">
+                <a:latin typeface="Courier" pitchFamily="2" charset="0"/>
+              </a:rPr>
+              <a:t>  </a:t>
+            </a:r>
+            <a:r>
+              <a:rPr lang="en-US" sz="2000" dirty="0" err="1">
+                <a:latin typeface="Courier" pitchFamily="2" charset="0"/>
+              </a:rPr>
+              <a:t>xlab</a:t>
+            </a:r>
+            <a:r>
+              <a:rPr lang="en-US" sz="2000" dirty="0">
+                <a:latin typeface="Courier" pitchFamily="2" charset="0"/>
+              </a:rPr>
+              <a:t>("") +</a:t>
+            </a:r>
+          </a:p>
+          <a:p>
+            <a:r>
+              <a:rPr lang="en-US" sz="2000" dirty="0">
+                <a:latin typeface="Courier" pitchFamily="2" charset="0"/>
+              </a:rPr>
+              <a:t>  </a:t>
+            </a:r>
+            <a:r>
+              <a:rPr lang="en-US" sz="2000" dirty="0" err="1">
+                <a:latin typeface="Courier" pitchFamily="2" charset="0"/>
+              </a:rPr>
+              <a:t>ylab</a:t>
+            </a:r>
+            <a:r>
+              <a:rPr lang="en-US" sz="2000" dirty="0">
+                <a:latin typeface="Courier" pitchFamily="2" charset="0"/>
+              </a:rPr>
+              <a:t>("")</a:t>
             </a:r>
           </a:p>
         </p:txBody>
@@ -4343,7 +4378,7 @@
     </p:spTree>
     <p:extLst>
       <p:ext uri="{BB962C8B-B14F-4D97-AF65-F5344CB8AC3E}">
-        <p14:creationId xmlns:p14="http://schemas.microsoft.com/office/powerpoint/2010/main" val="3883004539"/>
+        <p14:creationId xmlns:p14="http://schemas.microsoft.com/office/powerpoint/2010/main" val="2212470834"/>
       </p:ext>
     </p:extLst>
   </p:cSld>
@@ -4400,6 +4435,187 @@
           <a:p>
             <a:r>
               <a:rPr lang="en-US" sz="3200" dirty="0"/>
+              <a:t>Scale image data</a:t>
+            </a:r>
+          </a:p>
+        </p:txBody>
+      </p:sp>
+      <p:sp>
+        <p:nvSpPr>
+          <p:cNvPr id="3" name="TextBox 2">
+            <a:extLst>
+              <a:ext uri="{FF2B5EF4-FFF2-40B4-BE49-F238E27FC236}">
+                <a16:creationId xmlns:a16="http://schemas.microsoft.com/office/drawing/2014/main" id="{F8DD8504-631E-6341-AE9B-7ADFCB46F3AC}"/>
+              </a:ext>
+            </a:extLst>
+          </p:cNvPr>
+          <p:cNvSpPr txBox="1"/>
+          <p:nvPr/>
+        </p:nvSpPr>
+        <p:spPr>
+          <a:xfrm>
+            <a:off x="628650" y="3429000"/>
+            <a:ext cx="5416868" cy="707886"/>
+          </a:xfrm>
+          <a:prstGeom prst="rect">
+            <a:avLst/>
+          </a:prstGeom>
+          <a:noFill/>
+        </p:spPr>
+        <p:txBody>
+          <a:bodyPr wrap="none" rtlCol="0">
+            <a:spAutoFit/>
+          </a:bodyPr>
+          <a:lstStyle/>
+          <a:p>
+            <a:r>
+              <a:rPr lang="en-US" sz="2000" dirty="0" err="1">
+                <a:latin typeface="Courier" pitchFamily="2" charset="0"/>
+              </a:rPr>
+              <a:t>train_images</a:t>
+            </a:r>
+            <a:r>
+              <a:rPr lang="en-US" sz="2000" dirty="0">
+                <a:latin typeface="Courier" pitchFamily="2" charset="0"/>
+              </a:rPr>
+              <a:t> &lt;- </a:t>
+            </a:r>
+            <a:r>
+              <a:rPr lang="en-US" sz="2000" dirty="0" err="1">
+                <a:latin typeface="Courier" pitchFamily="2" charset="0"/>
+              </a:rPr>
+              <a:t>train_images</a:t>
+            </a:r>
+            <a:r>
+              <a:rPr lang="en-US" sz="2000" dirty="0">
+                <a:latin typeface="Courier" pitchFamily="2" charset="0"/>
+              </a:rPr>
+              <a:t> / 255</a:t>
+            </a:r>
+          </a:p>
+          <a:p>
+            <a:r>
+              <a:rPr lang="en-US" sz="2000" dirty="0" err="1">
+                <a:latin typeface="Courier" pitchFamily="2" charset="0"/>
+              </a:rPr>
+              <a:t>test_images</a:t>
+            </a:r>
+            <a:r>
+              <a:rPr lang="en-US" sz="2000" dirty="0">
+                <a:latin typeface="Courier" pitchFamily="2" charset="0"/>
+              </a:rPr>
+              <a:t> &lt;- </a:t>
+            </a:r>
+            <a:r>
+              <a:rPr lang="en-US" sz="2000" dirty="0" err="1">
+                <a:latin typeface="Courier" pitchFamily="2" charset="0"/>
+              </a:rPr>
+              <a:t>test_images</a:t>
+            </a:r>
+            <a:r>
+              <a:rPr lang="en-US" sz="2000" dirty="0">
+                <a:latin typeface="Courier" pitchFamily="2" charset="0"/>
+              </a:rPr>
+              <a:t> / 255</a:t>
+            </a:r>
+          </a:p>
+        </p:txBody>
+      </p:sp>
+      <p:sp>
+        <p:nvSpPr>
+          <p:cNvPr id="4" name="TextBox 3">
+            <a:extLst>
+              <a:ext uri="{FF2B5EF4-FFF2-40B4-BE49-F238E27FC236}">
+                <a16:creationId xmlns:a16="http://schemas.microsoft.com/office/drawing/2014/main" id="{6BE861CE-D12D-B54D-8879-4E41F2091578}"/>
+              </a:ext>
+            </a:extLst>
+          </p:cNvPr>
+          <p:cNvSpPr txBox="1"/>
+          <p:nvPr/>
+        </p:nvSpPr>
+        <p:spPr>
+          <a:xfrm>
+            <a:off x="628650" y="1659459"/>
+            <a:ext cx="8028462" cy="830997"/>
+          </a:xfrm>
+          <a:prstGeom prst="rect">
+            <a:avLst/>
+          </a:prstGeom>
+          <a:noFill/>
+        </p:spPr>
+        <p:txBody>
+          <a:bodyPr wrap="square" rtlCol="0">
+            <a:spAutoFit/>
+          </a:bodyPr>
+          <a:lstStyle/>
+          <a:p>
+            <a:r>
+              <a:rPr lang="en-US" sz="2400" dirty="0"/>
+              <a:t># scale these values to a range of 0 to 1 before feeding to the neural network model. </a:t>
+            </a:r>
+          </a:p>
+        </p:txBody>
+      </p:sp>
+    </p:spTree>
+    <p:extLst>
+      <p:ext uri="{BB962C8B-B14F-4D97-AF65-F5344CB8AC3E}">
+        <p14:creationId xmlns:p14="http://schemas.microsoft.com/office/powerpoint/2010/main" val="3883004539"/>
+      </p:ext>
+    </p:extLst>
+  </p:cSld>
+  <p:clrMapOvr>
+    <a:masterClrMapping/>
+  </p:clrMapOvr>
+</p:sld>
+</file>
+
+<file path=ppt/slides/slide13.xml><?xml version="1.0" encoding="utf-8"?>
+<p:sld xmlns:a="http://schemas.openxmlformats.org/drawingml/2006/main" xmlns:r="http://schemas.openxmlformats.org/officeDocument/2006/relationships" xmlns:p="http://schemas.openxmlformats.org/presentationml/2006/main">
+  <p:cSld>
+    <p:spTree>
+      <p:nvGrpSpPr>
+        <p:cNvPr id="1" name=""/>
+        <p:cNvGrpSpPr/>
+        <p:nvPr/>
+      </p:nvGrpSpPr>
+      <p:grpSpPr>
+        <a:xfrm>
+          <a:off x="0" y="0"/>
+          <a:ext cx="0" cy="0"/>
+          <a:chOff x="0" y="0"/>
+          <a:chExt cx="0" cy="0"/>
+        </a:xfrm>
+      </p:grpSpPr>
+      <p:sp>
+        <p:nvSpPr>
+          <p:cNvPr id="2" name="Title 1">
+            <a:extLst>
+              <a:ext uri="{FF2B5EF4-FFF2-40B4-BE49-F238E27FC236}">
+                <a16:creationId xmlns:a16="http://schemas.microsoft.com/office/drawing/2014/main" id="{73C08CF2-AED5-184B-A58E-2A435CF41969}"/>
+              </a:ext>
+            </a:extLst>
+          </p:cNvPr>
+          <p:cNvSpPr>
+            <a:spLocks noGrp="1"/>
+          </p:cNvSpPr>
+          <p:nvPr>
+            <p:ph type="title"/>
+          </p:nvPr>
+        </p:nvSpPr>
+        <p:spPr>
+          <a:xfrm>
+            <a:off x="628650" y="365127"/>
+            <a:ext cx="7886700" cy="725120"/>
+          </a:xfrm>
+        </p:spPr>
+        <p:txBody>
+          <a:bodyPr>
+            <a:normAutofit/>
+          </a:bodyPr>
+          <a:lstStyle/>
+          <a:p>
+            <a:r>
+              <a:rPr lang="en-US" sz="3200" dirty="0"/>
               <a:t>Set and compile the model</a:t>
             </a:r>
           </a:p>
@@ -4648,7 +4864,7 @@
 </p:sld>
 </file>
 
-<file path=ppt/slides/slide13.xml><?xml version="1.0" encoding="utf-8"?>
+<file path=ppt/slides/slide14.xml><?xml version="1.0" encoding="utf-8"?>
 <p:sld xmlns:a="http://schemas.openxmlformats.org/drawingml/2006/main" xmlns:r="http://schemas.openxmlformats.org/officeDocument/2006/relationships" xmlns:p="http://schemas.openxmlformats.org/presentationml/2006/main">
   <p:cSld>
     <p:spTree>
@@ -4907,233 +5123,6 @@
 </p:sld>
 </file>
 
-<file path=ppt/slides/slide14.xml><?xml version="1.0" encoding="utf-8"?>
-<p:sld xmlns:a="http://schemas.openxmlformats.org/drawingml/2006/main" xmlns:r="http://schemas.openxmlformats.org/officeDocument/2006/relationships" xmlns:p="http://schemas.openxmlformats.org/presentationml/2006/main">
-  <p:cSld>
-    <p:spTree>
-      <p:nvGrpSpPr>
-        <p:cNvPr id="1" name=""/>
-        <p:cNvGrpSpPr/>
-        <p:nvPr/>
-      </p:nvGrpSpPr>
-      <p:grpSpPr>
-        <a:xfrm>
-          <a:off x="0" y="0"/>
-          <a:ext cx="0" cy="0"/>
-          <a:chOff x="0" y="0"/>
-          <a:chExt cx="0" cy="0"/>
-        </a:xfrm>
-      </p:grpSpPr>
-      <p:sp>
-        <p:nvSpPr>
-          <p:cNvPr id="2" name="Title 1">
-            <a:extLst>
-              <a:ext uri="{FF2B5EF4-FFF2-40B4-BE49-F238E27FC236}">
-                <a16:creationId xmlns:a16="http://schemas.microsoft.com/office/drawing/2014/main" id="{73C08CF2-AED5-184B-A58E-2A435CF41969}"/>
-              </a:ext>
-            </a:extLst>
-          </p:cNvPr>
-          <p:cNvSpPr>
-            <a:spLocks noGrp="1"/>
-          </p:cNvSpPr>
-          <p:nvPr>
-            <p:ph type="title"/>
-          </p:nvPr>
-        </p:nvSpPr>
-        <p:spPr>
-          <a:xfrm>
-            <a:off x="628650" y="365127"/>
-            <a:ext cx="7886700" cy="725120"/>
-          </a:xfrm>
-        </p:spPr>
-        <p:txBody>
-          <a:bodyPr>
-            <a:normAutofit/>
-          </a:bodyPr>
-          <a:lstStyle/>
-          <a:p>
-            <a:r>
-              <a:rPr lang="en-US" sz="3200" dirty="0"/>
-              <a:t>prediction</a:t>
-            </a:r>
-          </a:p>
-        </p:txBody>
-      </p:sp>
-      <p:sp>
-        <p:nvSpPr>
-          <p:cNvPr id="3" name="TextBox 2">
-            <a:extLst>
-              <a:ext uri="{FF2B5EF4-FFF2-40B4-BE49-F238E27FC236}">
-                <a16:creationId xmlns:a16="http://schemas.microsoft.com/office/drawing/2014/main" id="{97A88931-A2BA-BC4E-BD96-C49AFE404614}"/>
-              </a:ext>
-            </a:extLst>
-          </p:cNvPr>
-          <p:cNvSpPr txBox="1"/>
-          <p:nvPr/>
-        </p:nvSpPr>
-        <p:spPr>
-          <a:xfrm>
-            <a:off x="328493" y="1864426"/>
-            <a:ext cx="8186857" cy="2554545"/>
-          </a:xfrm>
-          <a:prstGeom prst="rect">
-            <a:avLst/>
-          </a:prstGeom>
-          <a:noFill/>
-        </p:spPr>
-        <p:txBody>
-          <a:bodyPr wrap="none" rtlCol="0">
-            <a:spAutoFit/>
-          </a:bodyPr>
-          <a:lstStyle/>
-          <a:p>
-            <a:r>
-              <a:rPr lang="en-US" sz="2000" dirty="0">
-                <a:latin typeface="Courier" pitchFamily="2" charset="0"/>
-              </a:rPr>
-              <a:t>### prediction</a:t>
-            </a:r>
-          </a:p>
-          <a:p>
-            <a:r>
-              <a:rPr lang="en-US" sz="2000" dirty="0">
-                <a:latin typeface="Courier" pitchFamily="2" charset="0"/>
-              </a:rPr>
-              <a:t>predictions &lt;- model %&gt;% predict(</a:t>
-            </a:r>
-            <a:r>
-              <a:rPr lang="en-US" sz="2000" dirty="0" err="1">
-                <a:latin typeface="Courier" pitchFamily="2" charset="0"/>
-              </a:rPr>
-              <a:t>test_images</a:t>
-            </a:r>
-            <a:r>
-              <a:rPr lang="en-US" sz="2000" dirty="0">
-                <a:latin typeface="Courier" pitchFamily="2" charset="0"/>
-              </a:rPr>
-              <a:t>)</a:t>
-            </a:r>
-          </a:p>
-          <a:p>
-            <a:r>
-              <a:rPr lang="en-US" sz="2000" dirty="0">
-                <a:latin typeface="Courier" pitchFamily="2" charset="0"/>
-              </a:rPr>
-              <a:t>predictions[1, ]</a:t>
-            </a:r>
-          </a:p>
-          <a:p>
-            <a:r>
-              <a:rPr lang="en-US" sz="2000" dirty="0" err="1">
-                <a:latin typeface="Courier" pitchFamily="2" charset="0"/>
-              </a:rPr>
-              <a:t>which.max</a:t>
-            </a:r>
-            <a:r>
-              <a:rPr lang="en-US" sz="2000" dirty="0">
-                <a:latin typeface="Courier" pitchFamily="2" charset="0"/>
-              </a:rPr>
-              <a:t>(predictions[1, ])</a:t>
-            </a:r>
-          </a:p>
-          <a:p>
-            <a:r>
-              <a:rPr lang="en-US" sz="2000" dirty="0" err="1">
-                <a:latin typeface="Courier" pitchFamily="2" charset="0"/>
-              </a:rPr>
-              <a:t>class_names</a:t>
-            </a:r>
-            <a:r>
-              <a:rPr lang="en-US" sz="2000" dirty="0">
-                <a:latin typeface="Courier" pitchFamily="2" charset="0"/>
-              </a:rPr>
-              <a:t>[</a:t>
-            </a:r>
-            <a:r>
-              <a:rPr lang="en-US" sz="2000" dirty="0" err="1">
-                <a:latin typeface="Courier" pitchFamily="2" charset="0"/>
-              </a:rPr>
-              <a:t>which.max</a:t>
-            </a:r>
-            <a:r>
-              <a:rPr lang="en-US" sz="2000" dirty="0">
-                <a:latin typeface="Courier" pitchFamily="2" charset="0"/>
-              </a:rPr>
-              <a:t>(predictions[1, ])]</a:t>
-            </a:r>
-          </a:p>
-          <a:p>
-            <a:endParaRPr lang="en-US" sz="2000" dirty="0">
-              <a:latin typeface="Courier" pitchFamily="2" charset="0"/>
-            </a:endParaRPr>
-          </a:p>
-          <a:p>
-            <a:r>
-              <a:rPr lang="en-US" sz="2000" dirty="0" err="1">
-                <a:latin typeface="Courier" pitchFamily="2" charset="0"/>
-              </a:rPr>
-              <a:t>class_pred</a:t>
-            </a:r>
-            <a:r>
-              <a:rPr lang="en-US" sz="2000" dirty="0">
-                <a:latin typeface="Courier" pitchFamily="2" charset="0"/>
-              </a:rPr>
-              <a:t> &lt;- model %&gt;% </a:t>
-            </a:r>
-            <a:r>
-              <a:rPr lang="en-US" sz="2000" dirty="0" err="1">
-                <a:latin typeface="Courier" pitchFamily="2" charset="0"/>
-              </a:rPr>
-              <a:t>predict_classes</a:t>
-            </a:r>
-            <a:r>
-              <a:rPr lang="en-US" sz="2000" dirty="0">
-                <a:latin typeface="Courier" pitchFamily="2" charset="0"/>
-              </a:rPr>
-              <a:t>(</a:t>
-            </a:r>
-            <a:r>
-              <a:rPr lang="en-US" sz="2000" dirty="0" err="1">
-                <a:latin typeface="Courier" pitchFamily="2" charset="0"/>
-              </a:rPr>
-              <a:t>test_images</a:t>
-            </a:r>
-            <a:r>
-              <a:rPr lang="en-US" sz="2000" dirty="0">
-                <a:latin typeface="Courier" pitchFamily="2" charset="0"/>
-              </a:rPr>
-              <a:t>)</a:t>
-            </a:r>
-          </a:p>
-          <a:p>
-            <a:r>
-              <a:rPr lang="en-US" sz="2000" dirty="0" err="1">
-                <a:latin typeface="Courier" pitchFamily="2" charset="0"/>
-              </a:rPr>
-              <a:t>class_pred</a:t>
-            </a:r>
-            <a:r>
-              <a:rPr lang="en-US" sz="2000" dirty="0">
-                <a:latin typeface="Courier" pitchFamily="2" charset="0"/>
-              </a:rPr>
-              <a:t>[1:20]</a:t>
-            </a:r>
-          </a:p>
-        </p:txBody>
-      </p:sp>
-    </p:spTree>
-    <p:extLst>
-      <p:ext uri="{BB962C8B-B14F-4D97-AF65-F5344CB8AC3E}">
-        <p14:creationId xmlns:p14="http://schemas.microsoft.com/office/powerpoint/2010/main" val="2280965610"/>
-      </p:ext>
-    </p:extLst>
-  </p:cSld>
-  <p:clrMapOvr>
-    <a:masterClrMapping/>
-  </p:clrMapOvr>
-</p:sld>
-</file>
-
 <file path=ppt/slides/slide15.xml><?xml version="1.0" encoding="utf-8"?>
 <p:sld xmlns:a="http://schemas.openxmlformats.org/drawingml/2006/main" xmlns:r="http://schemas.openxmlformats.org/officeDocument/2006/relationships" xmlns:p="http://schemas.openxmlformats.org/presentationml/2006/main">
   <p:cSld>
@@ -5181,6 +5170,233 @@
           <a:p>
             <a:r>
               <a:rPr lang="en-US" sz="3200" dirty="0"/>
+              <a:t>prediction</a:t>
+            </a:r>
+          </a:p>
+        </p:txBody>
+      </p:sp>
+      <p:sp>
+        <p:nvSpPr>
+          <p:cNvPr id="3" name="TextBox 2">
+            <a:extLst>
+              <a:ext uri="{FF2B5EF4-FFF2-40B4-BE49-F238E27FC236}">
+                <a16:creationId xmlns:a16="http://schemas.microsoft.com/office/drawing/2014/main" id="{97A88931-A2BA-BC4E-BD96-C49AFE404614}"/>
+              </a:ext>
+            </a:extLst>
+          </p:cNvPr>
+          <p:cNvSpPr txBox="1"/>
+          <p:nvPr/>
+        </p:nvSpPr>
+        <p:spPr>
+          <a:xfrm>
+            <a:off x="328493" y="1864426"/>
+            <a:ext cx="8186857" cy="2554545"/>
+          </a:xfrm>
+          <a:prstGeom prst="rect">
+            <a:avLst/>
+          </a:prstGeom>
+          <a:noFill/>
+        </p:spPr>
+        <p:txBody>
+          <a:bodyPr wrap="none" rtlCol="0">
+            <a:spAutoFit/>
+          </a:bodyPr>
+          <a:lstStyle/>
+          <a:p>
+            <a:r>
+              <a:rPr lang="en-US" sz="2000" dirty="0">
+                <a:latin typeface="Courier" pitchFamily="2" charset="0"/>
+              </a:rPr>
+              <a:t>### prediction</a:t>
+            </a:r>
+          </a:p>
+          <a:p>
+            <a:r>
+              <a:rPr lang="en-US" sz="2000" dirty="0">
+                <a:latin typeface="Courier" pitchFamily="2" charset="0"/>
+              </a:rPr>
+              <a:t>predictions &lt;- model %&gt;% predict(</a:t>
+            </a:r>
+            <a:r>
+              <a:rPr lang="en-US" sz="2000" dirty="0" err="1">
+                <a:latin typeface="Courier" pitchFamily="2" charset="0"/>
+              </a:rPr>
+              <a:t>test_images</a:t>
+            </a:r>
+            <a:r>
+              <a:rPr lang="en-US" sz="2000" dirty="0">
+                <a:latin typeface="Courier" pitchFamily="2" charset="0"/>
+              </a:rPr>
+              <a:t>)</a:t>
+            </a:r>
+          </a:p>
+          <a:p>
+            <a:r>
+              <a:rPr lang="en-US" sz="2000" dirty="0">
+                <a:latin typeface="Courier" pitchFamily="2" charset="0"/>
+              </a:rPr>
+              <a:t>predictions[1, ]</a:t>
+            </a:r>
+          </a:p>
+          <a:p>
+            <a:r>
+              <a:rPr lang="en-US" sz="2000" dirty="0" err="1">
+                <a:latin typeface="Courier" pitchFamily="2" charset="0"/>
+              </a:rPr>
+              <a:t>which.max</a:t>
+            </a:r>
+            <a:r>
+              <a:rPr lang="en-US" sz="2000" dirty="0">
+                <a:latin typeface="Courier" pitchFamily="2" charset="0"/>
+              </a:rPr>
+              <a:t>(predictions[1, ])</a:t>
+            </a:r>
+          </a:p>
+          <a:p>
+            <a:r>
+              <a:rPr lang="en-US" sz="2000" dirty="0" err="1">
+                <a:latin typeface="Courier" pitchFamily="2" charset="0"/>
+              </a:rPr>
+              <a:t>class_names</a:t>
+            </a:r>
+            <a:r>
+              <a:rPr lang="en-US" sz="2000" dirty="0">
+                <a:latin typeface="Courier" pitchFamily="2" charset="0"/>
+              </a:rPr>
+              <a:t>[</a:t>
+            </a:r>
+            <a:r>
+              <a:rPr lang="en-US" sz="2000" dirty="0" err="1">
+                <a:latin typeface="Courier" pitchFamily="2" charset="0"/>
+              </a:rPr>
+              <a:t>which.max</a:t>
+            </a:r>
+            <a:r>
+              <a:rPr lang="en-US" sz="2000" dirty="0">
+                <a:latin typeface="Courier" pitchFamily="2" charset="0"/>
+              </a:rPr>
+              <a:t>(predictions[1, ])]</a:t>
+            </a:r>
+          </a:p>
+          <a:p>
+            <a:endParaRPr lang="en-US" sz="2000" dirty="0">
+              <a:latin typeface="Courier" pitchFamily="2" charset="0"/>
+            </a:endParaRPr>
+          </a:p>
+          <a:p>
+            <a:r>
+              <a:rPr lang="en-US" sz="2000" dirty="0" err="1">
+                <a:latin typeface="Courier" pitchFamily="2" charset="0"/>
+              </a:rPr>
+              <a:t>class_pred</a:t>
+            </a:r>
+            <a:r>
+              <a:rPr lang="en-US" sz="2000" dirty="0">
+                <a:latin typeface="Courier" pitchFamily="2" charset="0"/>
+              </a:rPr>
+              <a:t> &lt;- model %&gt;% </a:t>
+            </a:r>
+            <a:r>
+              <a:rPr lang="en-US" sz="2000" dirty="0" err="1">
+                <a:latin typeface="Courier" pitchFamily="2" charset="0"/>
+              </a:rPr>
+              <a:t>predict_classes</a:t>
+            </a:r>
+            <a:r>
+              <a:rPr lang="en-US" sz="2000" dirty="0">
+                <a:latin typeface="Courier" pitchFamily="2" charset="0"/>
+              </a:rPr>
+              <a:t>(</a:t>
+            </a:r>
+            <a:r>
+              <a:rPr lang="en-US" sz="2000" dirty="0" err="1">
+                <a:latin typeface="Courier" pitchFamily="2" charset="0"/>
+              </a:rPr>
+              <a:t>test_images</a:t>
+            </a:r>
+            <a:r>
+              <a:rPr lang="en-US" sz="2000" dirty="0">
+                <a:latin typeface="Courier" pitchFamily="2" charset="0"/>
+              </a:rPr>
+              <a:t>)</a:t>
+            </a:r>
+          </a:p>
+          <a:p>
+            <a:r>
+              <a:rPr lang="en-US" sz="2000" dirty="0" err="1">
+                <a:latin typeface="Courier" pitchFamily="2" charset="0"/>
+              </a:rPr>
+              <a:t>class_pred</a:t>
+            </a:r>
+            <a:r>
+              <a:rPr lang="en-US" sz="2000" dirty="0">
+                <a:latin typeface="Courier" pitchFamily="2" charset="0"/>
+              </a:rPr>
+              <a:t>[1:20]</a:t>
+            </a:r>
+          </a:p>
+        </p:txBody>
+      </p:sp>
+    </p:spTree>
+    <p:extLst>
+      <p:ext uri="{BB962C8B-B14F-4D97-AF65-F5344CB8AC3E}">
+        <p14:creationId xmlns:p14="http://schemas.microsoft.com/office/powerpoint/2010/main" val="2280965610"/>
+      </p:ext>
+    </p:extLst>
+  </p:cSld>
+  <p:clrMapOvr>
+    <a:masterClrMapping/>
+  </p:clrMapOvr>
+</p:sld>
+</file>
+
+<file path=ppt/slides/slide16.xml><?xml version="1.0" encoding="utf-8"?>
+<p:sld xmlns:a="http://schemas.openxmlformats.org/drawingml/2006/main" xmlns:r="http://schemas.openxmlformats.org/officeDocument/2006/relationships" xmlns:p="http://schemas.openxmlformats.org/presentationml/2006/main">
+  <p:cSld>
+    <p:spTree>
+      <p:nvGrpSpPr>
+        <p:cNvPr id="1" name=""/>
+        <p:cNvGrpSpPr/>
+        <p:nvPr/>
+      </p:nvGrpSpPr>
+      <p:grpSpPr>
+        <a:xfrm>
+          <a:off x="0" y="0"/>
+          <a:ext cx="0" cy="0"/>
+          <a:chOff x="0" y="0"/>
+          <a:chExt cx="0" cy="0"/>
+        </a:xfrm>
+      </p:grpSpPr>
+      <p:sp>
+        <p:nvSpPr>
+          <p:cNvPr id="2" name="Title 1">
+            <a:extLst>
+              <a:ext uri="{FF2B5EF4-FFF2-40B4-BE49-F238E27FC236}">
+                <a16:creationId xmlns:a16="http://schemas.microsoft.com/office/drawing/2014/main" id="{73C08CF2-AED5-184B-A58E-2A435CF41969}"/>
+              </a:ext>
+            </a:extLst>
+          </p:cNvPr>
+          <p:cNvSpPr>
+            <a:spLocks noGrp="1"/>
+          </p:cNvSpPr>
+          <p:nvPr>
+            <p:ph type="title"/>
+          </p:nvPr>
+        </p:nvSpPr>
+        <p:spPr>
+          <a:xfrm>
+            <a:off x="628650" y="365127"/>
+            <a:ext cx="7886700" cy="725120"/>
+          </a:xfrm>
+        </p:spPr>
+        <p:txBody>
+          <a:bodyPr>
+            <a:normAutofit/>
+          </a:bodyPr>
+          <a:lstStyle/>
+          <a:p>
+            <a:r>
+              <a:rPr lang="en-US" sz="3200" dirty="0"/>
               <a:t>Manually check some prediction results</a:t>
             </a:r>
           </a:p>
@@ -5704,7 +5920,7 @@
 </p:sld>
 </file>
 
-<file path=ppt/slides/slide16.xml><?xml version="1.0" encoding="utf-8"?>
+<file path=ppt/slides/slide17.xml><?xml version="1.0" encoding="utf-8"?>
 <p:sld xmlns:a="http://schemas.openxmlformats.org/drawingml/2006/main" xmlns:r="http://schemas.openxmlformats.org/officeDocument/2006/relationships" xmlns:p="http://schemas.openxmlformats.org/presentationml/2006/main">
   <p:cSld>
     <p:spTree>
@@ -5799,7 +6015,7 @@
 </p:sld>
 </file>
 
-<file path=ppt/slides/slide17.xml><?xml version="1.0" encoding="utf-8"?>
+<file path=ppt/slides/slide18.xml><?xml version="1.0" encoding="utf-8"?>
 <p:sld xmlns:a="http://schemas.openxmlformats.org/drawingml/2006/main" xmlns:r="http://schemas.openxmlformats.org/officeDocument/2006/relationships" xmlns:p="http://schemas.openxmlformats.org/presentationml/2006/main">
   <p:cSld>
     <p:spTree>
@@ -6601,6 +6817,125 @@
           <p:cNvPr id="2" name="Title 1">
             <a:extLst>
               <a:ext uri="{FF2B5EF4-FFF2-40B4-BE49-F238E27FC236}">
+                <a16:creationId xmlns:a16="http://schemas.microsoft.com/office/drawing/2014/main" id="{1E4429E2-EEC6-9B4C-9D20-66AF17543557}"/>
+              </a:ext>
+            </a:extLst>
+          </p:cNvPr>
+          <p:cNvSpPr>
+            <a:spLocks noGrp="1"/>
+          </p:cNvSpPr>
+          <p:nvPr>
+            <p:ph type="title"/>
+          </p:nvPr>
+        </p:nvSpPr>
+        <p:spPr/>
+        <p:txBody>
+          <a:bodyPr/>
+          <a:lstStyle/>
+          <a:p>
+            <a:r>
+              <a:rPr lang="en-US" dirty="0"/>
+              <a:t>Online tutorial</a:t>
+            </a:r>
+          </a:p>
+        </p:txBody>
+      </p:sp>
+      <p:sp>
+        <p:nvSpPr>
+          <p:cNvPr id="3" name="Content Placeholder 2">
+            <a:extLst>
+              <a:ext uri="{FF2B5EF4-FFF2-40B4-BE49-F238E27FC236}">
+                <a16:creationId xmlns:a16="http://schemas.microsoft.com/office/drawing/2014/main" id="{69775296-C460-1F43-8732-03513FB26C76}"/>
+              </a:ext>
+            </a:extLst>
+          </p:cNvPr>
+          <p:cNvSpPr>
+            <a:spLocks noGrp="1"/>
+          </p:cNvSpPr>
+          <p:nvPr>
+            <p:ph idx="1"/>
+          </p:nvPr>
+        </p:nvSpPr>
+        <p:spPr>
+          <a:xfrm>
+            <a:off x="628650" y="2812474"/>
+            <a:ext cx="7886700" cy="1325564"/>
+          </a:xfrm>
+        </p:spPr>
+        <p:txBody>
+          <a:bodyPr/>
+          <a:lstStyle/>
+          <a:p>
+            <a:pPr marL="0" indent="0">
+              <a:buNone/>
+            </a:pPr>
+            <a:r>
+              <a:rPr lang="en-US" dirty="0"/>
+              <a:t>Basic Image Classification</a:t>
+            </a:r>
+          </a:p>
+          <a:p>
+            <a:pPr marL="0" indent="0">
+              <a:buNone/>
+            </a:pPr>
+            <a:r>
+              <a:rPr lang="en-US" sz="1600" dirty="0"/>
+              <a:t>https://</a:t>
+            </a:r>
+            <a:r>
+              <a:rPr lang="en-US" sz="1600" dirty="0" err="1"/>
+              <a:t>tensorflow.rstudio.com</a:t>
+            </a:r>
+            <a:r>
+              <a:rPr lang="en-US" sz="1600" dirty="0"/>
+              <a:t>/tutorials/beginners/basic-ml/</a:t>
+            </a:r>
+            <a:r>
+              <a:rPr lang="en-US" sz="1600" dirty="0" err="1"/>
+              <a:t>tutorial_basic_classification</a:t>
+            </a:r>
+            <a:r>
+              <a:rPr lang="en-US" sz="1600" dirty="0"/>
+              <a:t>/</a:t>
+            </a:r>
+          </a:p>
+        </p:txBody>
+      </p:sp>
+    </p:spTree>
+    <p:extLst>
+      <p:ext uri="{BB962C8B-B14F-4D97-AF65-F5344CB8AC3E}">
+        <p14:creationId xmlns:p14="http://schemas.microsoft.com/office/powerpoint/2010/main" val="633545039"/>
+      </p:ext>
+    </p:extLst>
+  </p:cSld>
+  <p:clrMapOvr>
+    <a:masterClrMapping/>
+  </p:clrMapOvr>
+</p:sld>
+</file>
+
+<file path=ppt/slides/slide5.xml><?xml version="1.0" encoding="utf-8"?>
+<p:sld xmlns:a="http://schemas.openxmlformats.org/drawingml/2006/main" xmlns:r="http://schemas.openxmlformats.org/officeDocument/2006/relationships" xmlns:p="http://schemas.openxmlformats.org/presentationml/2006/main">
+  <p:cSld>
+    <p:spTree>
+      <p:nvGrpSpPr>
+        <p:cNvPr id="1" name=""/>
+        <p:cNvGrpSpPr/>
+        <p:nvPr/>
+      </p:nvGrpSpPr>
+      <p:grpSpPr>
+        <a:xfrm>
+          <a:off x="0" y="0"/>
+          <a:ext cx="0" cy="0"/>
+          <a:chOff x="0" y="0"/>
+          <a:chExt cx="0" cy="0"/>
+        </a:xfrm>
+      </p:grpSpPr>
+      <p:sp>
+        <p:nvSpPr>
+          <p:cNvPr id="2" name="Title 1">
+            <a:extLst>
+              <a:ext uri="{FF2B5EF4-FFF2-40B4-BE49-F238E27FC236}">
                 <a16:creationId xmlns:a16="http://schemas.microsoft.com/office/drawing/2014/main" id="{7294842E-7C0C-DF4A-8AE4-31DC55D76874}"/>
               </a:ext>
             </a:extLst>
@@ -6728,7 +7063,7 @@
 </p:sld>
 </file>
 
-<file path=ppt/slides/slide5.xml><?xml version="1.0" encoding="utf-8"?>
+<file path=ppt/slides/slide6.xml><?xml version="1.0" encoding="utf-8"?>
 <p:sld xmlns:a="http://schemas.openxmlformats.org/drawingml/2006/main" xmlns:r="http://schemas.openxmlformats.org/officeDocument/2006/relationships" xmlns:p="http://schemas.openxmlformats.org/presentationml/2006/main">
   <p:cSld>
     <p:spTree>
@@ -6823,7 +7158,7 @@
 </p:sld>
 </file>
 
-<file path=ppt/slides/slide6.xml><?xml version="1.0" encoding="utf-8"?>
+<file path=ppt/slides/slide7.xml><?xml version="1.0" encoding="utf-8"?>
 <p:sld xmlns:a="http://schemas.openxmlformats.org/drawingml/2006/main" xmlns:r="http://schemas.openxmlformats.org/officeDocument/2006/relationships" xmlns:p="http://schemas.openxmlformats.org/presentationml/2006/main">
   <p:cSld>
     <p:spTree>
@@ -7395,200 +7730,6 @@
 </p:sld>
 </file>
 
-<file path=ppt/slides/slide7.xml><?xml version="1.0" encoding="utf-8"?>
-<p:sld xmlns:a="http://schemas.openxmlformats.org/drawingml/2006/main" xmlns:r="http://schemas.openxmlformats.org/officeDocument/2006/relationships" xmlns:p="http://schemas.openxmlformats.org/presentationml/2006/main">
-  <p:cSld>
-    <p:spTree>
-      <p:nvGrpSpPr>
-        <p:cNvPr id="1" name=""/>
-        <p:cNvGrpSpPr/>
-        <p:nvPr/>
-      </p:nvGrpSpPr>
-      <p:grpSpPr>
-        <a:xfrm>
-          <a:off x="0" y="0"/>
-          <a:ext cx="0" cy="0"/>
-          <a:chOff x="0" y="0"/>
-          <a:chExt cx="0" cy="0"/>
-        </a:xfrm>
-      </p:grpSpPr>
-      <p:sp>
-        <p:nvSpPr>
-          <p:cNvPr id="2" name="Title 1">
-            <a:extLst>
-              <a:ext uri="{FF2B5EF4-FFF2-40B4-BE49-F238E27FC236}">
-                <a16:creationId xmlns:a16="http://schemas.microsoft.com/office/drawing/2014/main" id="{73C08CF2-AED5-184B-A58E-2A435CF41969}"/>
-              </a:ext>
-            </a:extLst>
-          </p:cNvPr>
-          <p:cNvSpPr>
-            <a:spLocks noGrp="1"/>
-          </p:cNvSpPr>
-          <p:nvPr>
-            <p:ph type="title"/>
-          </p:nvPr>
-        </p:nvSpPr>
-        <p:spPr>
-          <a:xfrm>
-            <a:off x="628650" y="365127"/>
-            <a:ext cx="7886700" cy="725120"/>
-          </a:xfrm>
-        </p:spPr>
-        <p:txBody>
-          <a:bodyPr>
-            <a:normAutofit/>
-          </a:bodyPr>
-          <a:lstStyle/>
-          <a:p>
-            <a:r>
-              <a:rPr lang="en-US" sz="3200" dirty="0"/>
-              <a:t>Libraries loading</a:t>
-            </a:r>
-          </a:p>
-        </p:txBody>
-      </p:sp>
-      <p:sp>
-        <p:nvSpPr>
-          <p:cNvPr id="3" name="TextBox 2">
-            <a:extLst>
-              <a:ext uri="{FF2B5EF4-FFF2-40B4-BE49-F238E27FC236}">
-                <a16:creationId xmlns:a16="http://schemas.microsoft.com/office/drawing/2014/main" id="{CD768016-0AB9-484D-9245-EF713EE7FA6B}"/>
-              </a:ext>
-            </a:extLst>
-          </p:cNvPr>
-          <p:cNvSpPr txBox="1"/>
-          <p:nvPr/>
-        </p:nvSpPr>
-        <p:spPr>
-          <a:xfrm>
-            <a:off x="748145" y="2220686"/>
-            <a:ext cx="5688281" cy="1938992"/>
-          </a:xfrm>
-          <a:prstGeom prst="rect">
-            <a:avLst/>
-          </a:prstGeom>
-          <a:noFill/>
-        </p:spPr>
-        <p:txBody>
-          <a:bodyPr wrap="square" rtlCol="0">
-            <a:spAutoFit/>
-          </a:bodyPr>
-          <a:lstStyle/>
-          <a:p>
-            <a:r>
-              <a:rPr lang="en-US" sz="2400" dirty="0">
-                <a:latin typeface="Courier" pitchFamily="2" charset="0"/>
-              </a:rPr>
-              <a:t>library(</a:t>
-            </a:r>
-            <a:r>
-              <a:rPr lang="en-US" sz="2400" dirty="0" err="1">
-                <a:latin typeface="Courier" pitchFamily="2" charset="0"/>
-              </a:rPr>
-              <a:t>keras</a:t>
-            </a:r>
-            <a:r>
-              <a:rPr lang="en-US" sz="2400" dirty="0">
-                <a:latin typeface="Courier" pitchFamily="2" charset="0"/>
-              </a:rPr>
-              <a:t>)</a:t>
-            </a:r>
-          </a:p>
-          <a:p>
-            <a:r>
-              <a:rPr lang="en-US" sz="2400" dirty="0">
-                <a:latin typeface="Courier" pitchFamily="2" charset="0"/>
-              </a:rPr>
-              <a:t>#</a:t>
-            </a:r>
-            <a:r>
-              <a:rPr lang="en-US" sz="2400" dirty="0" err="1">
-                <a:latin typeface="Courier" pitchFamily="2" charset="0"/>
-              </a:rPr>
-              <a:t>install.packages</a:t>
-            </a:r>
-            <a:r>
-              <a:rPr lang="en-US" sz="2400" dirty="0">
-                <a:latin typeface="Courier" pitchFamily="2" charset="0"/>
-              </a:rPr>
-              <a:t>("</a:t>
-            </a:r>
-            <a:r>
-              <a:rPr lang="en-US" sz="2400" dirty="0" err="1">
-                <a:latin typeface="Courier" pitchFamily="2" charset="0"/>
-              </a:rPr>
-              <a:t>tidyr</a:t>
-            </a:r>
-            <a:r>
-              <a:rPr lang="en-US" sz="2400" dirty="0">
-                <a:latin typeface="Courier" pitchFamily="2" charset="0"/>
-              </a:rPr>
-              <a:t>")</a:t>
-            </a:r>
-          </a:p>
-          <a:p>
-            <a:r>
-              <a:rPr lang="en-US" sz="2400" dirty="0">
-                <a:latin typeface="Courier" pitchFamily="2" charset="0"/>
-              </a:rPr>
-              <a:t>#</a:t>
-            </a:r>
-            <a:r>
-              <a:rPr lang="en-US" sz="2400" dirty="0" err="1">
-                <a:latin typeface="Courier" pitchFamily="2" charset="0"/>
-              </a:rPr>
-              <a:t>install.packages</a:t>
-            </a:r>
-            <a:r>
-              <a:rPr lang="en-US" sz="2400" dirty="0">
-                <a:latin typeface="Courier" pitchFamily="2" charset="0"/>
-              </a:rPr>
-              <a:t>("ggplot2")</a:t>
-            </a:r>
-          </a:p>
-          <a:p>
-            <a:r>
-              <a:rPr lang="en-US" sz="2400" dirty="0">
-                <a:latin typeface="Courier" pitchFamily="2" charset="0"/>
-              </a:rPr>
-              <a:t>library(</a:t>
-            </a:r>
-            <a:r>
-              <a:rPr lang="en-US" sz="2400" dirty="0" err="1">
-                <a:latin typeface="Courier" pitchFamily="2" charset="0"/>
-              </a:rPr>
-              <a:t>tidyr</a:t>
-            </a:r>
-            <a:r>
-              <a:rPr lang="en-US" sz="2400" dirty="0">
-                <a:latin typeface="Courier" pitchFamily="2" charset="0"/>
-              </a:rPr>
-              <a:t>)</a:t>
-            </a:r>
-          </a:p>
-          <a:p>
-            <a:r>
-              <a:rPr lang="en-US" sz="2400" dirty="0">
-                <a:latin typeface="Courier" pitchFamily="2" charset="0"/>
-              </a:rPr>
-              <a:t>library(ggplot2)</a:t>
-            </a:r>
-          </a:p>
-        </p:txBody>
-      </p:sp>
-    </p:spTree>
-    <p:extLst>
-      <p:ext uri="{BB962C8B-B14F-4D97-AF65-F5344CB8AC3E}">
-        <p14:creationId xmlns:p14="http://schemas.microsoft.com/office/powerpoint/2010/main" val="1166308440"/>
-      </p:ext>
-    </p:extLst>
-  </p:cSld>
-  <p:clrMapOvr>
-    <a:masterClrMapping/>
-  </p:clrMapOvr>
-</p:sld>
-</file>
-
 <file path=ppt/slides/slide8.xml><?xml version="1.0" encoding="utf-8"?>
 <p:sld xmlns:a="http://schemas.openxmlformats.org/drawingml/2006/main" xmlns:r="http://schemas.openxmlformats.org/officeDocument/2006/relationships" xmlns:p="http://schemas.openxmlformats.org/presentationml/2006/main">
   <p:cSld>
@@ -7636,7 +7777,7 @@
           <a:p>
             <a:r>
               <a:rPr lang="en-US" sz="3200" dirty="0"/>
-              <a:t>Data loading</a:t>
+              <a:t>Libraries loading</a:t>
             </a:r>
           </a:p>
         </p:txBody>
@@ -7646,7 +7787,7 @@
           <p:cNvPr id="3" name="TextBox 2">
             <a:extLst>
               <a:ext uri="{FF2B5EF4-FFF2-40B4-BE49-F238E27FC236}">
-                <a16:creationId xmlns:a16="http://schemas.microsoft.com/office/drawing/2014/main" id="{3A25AE44-ABBC-B444-B39B-A30A0757075A}"/>
+                <a16:creationId xmlns:a16="http://schemas.microsoft.com/office/drawing/2014/main" id="{CD768016-0AB9-484D-9245-EF713EE7FA6B}"/>
               </a:ext>
             </a:extLst>
           </p:cNvPr>
@@ -7655,8 +7796,8 @@
         </p:nvSpPr>
         <p:spPr>
           <a:xfrm>
-            <a:off x="294357" y="2468710"/>
-            <a:ext cx="8494633" cy="1938992"/>
+            <a:off x="748145" y="2220686"/>
+            <a:ext cx="5688281" cy="1938992"/>
           </a:xfrm>
           <a:prstGeom prst="rect">
             <a:avLst/>
@@ -7664,51 +7805,25 @@
           <a:noFill/>
         </p:spPr>
         <p:txBody>
-          <a:bodyPr wrap="none" rtlCol="0">
+          <a:bodyPr wrap="square" rtlCol="0">
             <a:spAutoFit/>
           </a:bodyPr>
           <a:lstStyle/>
           <a:p>
             <a:r>
-              <a:rPr lang="en-US" sz="2000" dirty="0" err="1">
-                <a:latin typeface="Courier" pitchFamily="2" charset="0"/>
-              </a:rPr>
-              <a:t>fashion_mnist</a:t>
-            </a:r>
-            <a:r>
-              <a:rPr lang="en-US" sz="2000" dirty="0">
-                <a:latin typeface="Courier" pitchFamily="2" charset="0"/>
-              </a:rPr>
-              <a:t> &lt;- </a:t>
-            </a:r>
-            <a:r>
-              <a:rPr lang="en-US" sz="2000" dirty="0" err="1">
-                <a:latin typeface="Courier" pitchFamily="2" charset="0"/>
-              </a:rPr>
-              <a:t>dataset_fashion_mnist</a:t>
-            </a:r>
-            <a:r>
-              <a:rPr lang="en-US" sz="2000" dirty="0">
-                <a:latin typeface="Courier" pitchFamily="2" charset="0"/>
-              </a:rPr>
-              <a:t>()</a:t>
-            </a:r>
-          </a:p>
-          <a:p>
-            <a:r>
-              <a:rPr lang="en-US" sz="2000" dirty="0">
-                <a:latin typeface="Courier" pitchFamily="2" charset="0"/>
-              </a:rPr>
-              <a:t>summary(</a:t>
-            </a:r>
-            <a:r>
-              <a:rPr lang="en-US" sz="2000" dirty="0" err="1">
-                <a:latin typeface="Courier" pitchFamily="2" charset="0"/>
-              </a:rPr>
-              <a:t>fashion_mnist$train</a:t>
-            </a:r>
-            <a:r>
-              <a:rPr lang="en-US" sz="2000" dirty="0">
+              <a:rPr lang="en-US" sz="2400" dirty="0">
+                <a:latin typeface="Courier" pitchFamily="2" charset="0"/>
+              </a:rPr>
+              <a:t>library(</a:t>
+            </a:r>
+            <a:r>
+              <a:rPr lang="en-US" sz="2400" dirty="0" err="1">
+                <a:latin typeface="Courier" pitchFamily="2" charset="0"/>
+              </a:rPr>
+              <a:t>keras</a:t>
+            </a:r>
+            <a:r>
+              <a:rPr lang="en-US" sz="2400" dirty="0">
                 <a:latin typeface="Courier" pitchFamily="2" charset="0"/>
               </a:rPr>
               <a:t>)</a:t>
@@ -7716,101 +7831,71 @@
           </a:p>
           <a:p>
             <a:r>
-              <a:rPr lang="en-US" sz="2000" dirty="0">
-                <a:latin typeface="Courier" pitchFamily="2" charset="0"/>
-              </a:rPr>
-              <a:t>c(</a:t>
-            </a:r>
-            <a:r>
-              <a:rPr lang="en-US" sz="2000" dirty="0" err="1">
-                <a:latin typeface="Courier" pitchFamily="2" charset="0"/>
-              </a:rPr>
-              <a:t>train_images</a:t>
-            </a:r>
-            <a:r>
-              <a:rPr lang="en-US" sz="2000" dirty="0">
-                <a:latin typeface="Courier" pitchFamily="2" charset="0"/>
-              </a:rPr>
-              <a:t>, </a:t>
-            </a:r>
-            <a:r>
-              <a:rPr lang="en-US" sz="2000" dirty="0" err="1">
-                <a:latin typeface="Courier" pitchFamily="2" charset="0"/>
-              </a:rPr>
-              <a:t>train_labels</a:t>
-            </a:r>
-            <a:r>
-              <a:rPr lang="en-US" sz="2000" dirty="0">
-                <a:latin typeface="Courier" pitchFamily="2" charset="0"/>
-              </a:rPr>
-              <a:t>) %&lt;-% </a:t>
-            </a:r>
-            <a:r>
-              <a:rPr lang="en-US" sz="2000" dirty="0" err="1">
-                <a:latin typeface="Courier" pitchFamily="2" charset="0"/>
-              </a:rPr>
-              <a:t>fashion_mnist$train</a:t>
-            </a:r>
-            <a:endParaRPr lang="en-US" sz="2000" dirty="0">
-              <a:latin typeface="Courier" pitchFamily="2" charset="0"/>
-            </a:endParaRPr>
-          </a:p>
-          <a:p>
-            <a:r>
-              <a:rPr lang="en-US" sz="2000" dirty="0">
-                <a:latin typeface="Courier" pitchFamily="2" charset="0"/>
-              </a:rPr>
-              <a:t>c(</a:t>
-            </a:r>
-            <a:r>
-              <a:rPr lang="en-US" sz="2000" dirty="0" err="1">
-                <a:latin typeface="Courier" pitchFamily="2" charset="0"/>
-              </a:rPr>
-              <a:t>test_images</a:t>
-            </a:r>
-            <a:r>
-              <a:rPr lang="en-US" sz="2000" dirty="0">
-                <a:latin typeface="Courier" pitchFamily="2" charset="0"/>
-              </a:rPr>
-              <a:t>, </a:t>
-            </a:r>
-            <a:r>
-              <a:rPr lang="en-US" sz="2000" dirty="0" err="1">
-                <a:latin typeface="Courier" pitchFamily="2" charset="0"/>
-              </a:rPr>
-              <a:t>test_labels</a:t>
-            </a:r>
-            <a:r>
-              <a:rPr lang="en-US" sz="2000" dirty="0">
-                <a:latin typeface="Courier" pitchFamily="2" charset="0"/>
-              </a:rPr>
-              <a:t>) %&lt;-% </a:t>
-            </a:r>
-            <a:r>
-              <a:rPr lang="en-US" sz="2000" dirty="0" err="1">
-                <a:latin typeface="Courier" pitchFamily="2" charset="0"/>
-              </a:rPr>
-              <a:t>fashion_mnist$test</a:t>
-            </a:r>
-            <a:endParaRPr lang="en-US" sz="2000" dirty="0">
-              <a:latin typeface="Courier" pitchFamily="2" charset="0"/>
-            </a:endParaRPr>
-          </a:p>
-          <a:p>
-            <a:r>
-              <a:rPr lang="en-US" sz="2000" dirty="0">
-                <a:latin typeface="Courier" pitchFamily="2" charset="0"/>
-              </a:rPr>
-              <a:t>dim(</a:t>
-            </a:r>
-            <a:r>
-              <a:rPr lang="en-US" sz="2000" dirty="0" err="1">
-                <a:latin typeface="Courier" pitchFamily="2" charset="0"/>
-              </a:rPr>
-              <a:t>train_images</a:t>
-            </a:r>
-            <a:r>
-              <a:rPr lang="en-US" sz="2000" dirty="0">
+              <a:rPr lang="en-US" sz="2400" dirty="0">
+                <a:latin typeface="Courier" pitchFamily="2" charset="0"/>
+              </a:rPr>
+              <a:t>#</a:t>
+            </a:r>
+            <a:r>
+              <a:rPr lang="en-US" sz="2400" dirty="0" err="1">
+                <a:latin typeface="Courier" pitchFamily="2" charset="0"/>
+              </a:rPr>
+              <a:t>install.packages</a:t>
+            </a:r>
+            <a:r>
+              <a:rPr lang="en-US" sz="2400" dirty="0">
+                <a:latin typeface="Courier" pitchFamily="2" charset="0"/>
+              </a:rPr>
+              <a:t>("</a:t>
+            </a:r>
+            <a:r>
+              <a:rPr lang="en-US" sz="2400" dirty="0" err="1">
+                <a:latin typeface="Courier" pitchFamily="2" charset="0"/>
+              </a:rPr>
+              <a:t>tidyr</a:t>
+            </a:r>
+            <a:r>
+              <a:rPr lang="en-US" sz="2400" dirty="0">
+                <a:latin typeface="Courier" pitchFamily="2" charset="0"/>
+              </a:rPr>
+              <a:t>")</a:t>
+            </a:r>
+          </a:p>
+          <a:p>
+            <a:r>
+              <a:rPr lang="en-US" sz="2400" dirty="0">
+                <a:latin typeface="Courier" pitchFamily="2" charset="0"/>
+              </a:rPr>
+              <a:t>#</a:t>
+            </a:r>
+            <a:r>
+              <a:rPr lang="en-US" sz="2400" dirty="0" err="1">
+                <a:latin typeface="Courier" pitchFamily="2" charset="0"/>
+              </a:rPr>
+              <a:t>install.packages</a:t>
+            </a:r>
+            <a:r>
+              <a:rPr lang="en-US" sz="2400" dirty="0">
+                <a:latin typeface="Courier" pitchFamily="2" charset="0"/>
+              </a:rPr>
+              <a:t>("ggplot2")</a:t>
+            </a:r>
+          </a:p>
+          <a:p>
+            <a:r>
+              <a:rPr lang="en-US" sz="2400" dirty="0">
+                <a:latin typeface="Courier" pitchFamily="2" charset="0"/>
+              </a:rPr>
+              <a:t>library(</a:t>
+            </a:r>
+            <a:r>
+              <a:rPr lang="en-US" sz="2400" dirty="0" err="1">
+                <a:latin typeface="Courier" pitchFamily="2" charset="0"/>
+              </a:rPr>
+              <a:t>tidyr</a:t>
+            </a:r>
+            <a:r>
+              <a:rPr lang="en-US" sz="2400" dirty="0">
                 <a:latin typeface="Courier" pitchFamily="2" charset="0"/>
               </a:rPr>
               <a:t>)</a:t>
@@ -7818,22 +7903,10 @@
           </a:p>
           <a:p>
             <a:r>
-              <a:rPr lang="en-US" sz="2000" dirty="0">
-                <a:latin typeface="Courier" pitchFamily="2" charset="0"/>
-              </a:rPr>
-              <a:t>dim(</a:t>
-            </a:r>
-            <a:r>
-              <a:rPr lang="en-US" sz="2000" dirty="0" err="1">
-                <a:latin typeface="Courier" pitchFamily="2" charset="0"/>
-              </a:rPr>
-              <a:t>train_labels</a:t>
-            </a:r>
-            <a:r>
-              <a:rPr lang="en-US" sz="2000" dirty="0">
-                <a:latin typeface="Courier" pitchFamily="2" charset="0"/>
-              </a:rPr>
-              <a:t>)</a:t>
+              <a:rPr lang="en-US" sz="2400" dirty="0">
+                <a:latin typeface="Courier" pitchFamily="2" charset="0"/>
+              </a:rPr>
+              <a:t>library(ggplot2)</a:t>
             </a:r>
           </a:p>
         </p:txBody>
@@ -7841,7 +7914,7 @@
     </p:spTree>
     <p:extLst>
       <p:ext uri="{BB962C8B-B14F-4D97-AF65-F5344CB8AC3E}">
-        <p14:creationId xmlns:p14="http://schemas.microsoft.com/office/powerpoint/2010/main" val="2278776895"/>
+        <p14:creationId xmlns:p14="http://schemas.microsoft.com/office/powerpoint/2010/main" val="1166308440"/>
       </p:ext>
     </p:extLst>
   </p:cSld>
@@ -7898,7 +7971,7 @@
           <a:p>
             <a:r>
               <a:rPr lang="en-US" sz="3200" dirty="0"/>
-              <a:t>Ten classes</a:t>
+              <a:t>Data loading</a:t>
             </a:r>
           </a:p>
         </p:txBody>
@@ -7908,7 +7981,7 @@
           <p:cNvPr id="3" name="TextBox 2">
             <a:extLst>
               <a:ext uri="{FF2B5EF4-FFF2-40B4-BE49-F238E27FC236}">
-                <a16:creationId xmlns:a16="http://schemas.microsoft.com/office/drawing/2014/main" id="{C1BB16C5-10E5-D94D-A2CD-750C7F611591}"/>
+                <a16:creationId xmlns:a16="http://schemas.microsoft.com/office/drawing/2014/main" id="{3A25AE44-ABBC-B444-B39B-A30A0757075A}"/>
               </a:ext>
             </a:extLst>
           </p:cNvPr>
@@ -7917,8 +7990,8 @@
         </p:nvSpPr>
         <p:spPr>
           <a:xfrm>
-            <a:off x="296883" y="2090057"/>
-            <a:ext cx="4493538" cy="3170099"/>
+            <a:off x="294357" y="2468710"/>
+            <a:ext cx="8494633" cy="1938992"/>
           </a:xfrm>
           <a:prstGeom prst="rect">
             <a:avLst/>
@@ -7935,123 +8008,175 @@
               <a:rPr lang="en-US" sz="2000" dirty="0" err="1">
                 <a:latin typeface="Courier" pitchFamily="2" charset="0"/>
               </a:rPr>
-              <a:t>class_names</a:t>
-            </a:r>
-            <a:r>
-              <a:rPr lang="en-US" sz="2000" dirty="0">
-                <a:latin typeface="Courier" pitchFamily="2" charset="0"/>
-              </a:rPr>
-              <a:t>=c('T-shirt/top',</a:t>
-            </a:r>
-          </a:p>
-          <a:p>
-            <a:r>
-              <a:rPr lang="en-US" sz="2000" dirty="0">
-                <a:latin typeface="Courier" pitchFamily="2" charset="0"/>
-              </a:rPr>
-              <a:t>              'Trouser',</a:t>
-            </a:r>
-          </a:p>
-          <a:p>
-            <a:r>
-              <a:rPr lang="en-US" sz="2000" dirty="0">
-                <a:latin typeface="Courier" pitchFamily="2" charset="0"/>
-              </a:rPr>
-              <a:t>              'Pullover',</a:t>
-            </a:r>
-          </a:p>
-          <a:p>
-            <a:r>
-              <a:rPr lang="en-US" sz="2000" dirty="0">
-                <a:latin typeface="Courier" pitchFamily="2" charset="0"/>
-              </a:rPr>
-              <a:t>              'Dress',</a:t>
-            </a:r>
-          </a:p>
-          <a:p>
-            <a:r>
-              <a:rPr lang="en-US" sz="2000" dirty="0">
-                <a:latin typeface="Courier" pitchFamily="2" charset="0"/>
-              </a:rPr>
-              <a:t>              'Coat', </a:t>
-            </a:r>
-          </a:p>
-          <a:p>
-            <a:r>
-              <a:rPr lang="en-US" sz="2000" dirty="0">
-                <a:latin typeface="Courier" pitchFamily="2" charset="0"/>
-              </a:rPr>
-              <a:t>              'Sandal',</a:t>
-            </a:r>
-          </a:p>
-          <a:p>
-            <a:r>
-              <a:rPr lang="en-US" sz="2000" dirty="0">
-                <a:latin typeface="Courier" pitchFamily="2" charset="0"/>
-              </a:rPr>
-              <a:t>              'Shirt',</a:t>
-            </a:r>
-          </a:p>
-          <a:p>
-            <a:r>
-              <a:rPr lang="en-US" sz="2000" dirty="0">
-                <a:latin typeface="Courier" pitchFamily="2" charset="0"/>
-              </a:rPr>
-              <a:t>              'Sneaker',</a:t>
-            </a:r>
-          </a:p>
-          <a:p>
-            <a:r>
-              <a:rPr lang="en-US" sz="2000" dirty="0">
-                <a:latin typeface="Courier" pitchFamily="2" charset="0"/>
-              </a:rPr>
-              <a:t>              'Bag',</a:t>
-            </a:r>
-          </a:p>
-          <a:p>
-            <a:r>
-              <a:rPr lang="en-US" sz="2000" dirty="0">
-                <a:latin typeface="Courier" pitchFamily="2" charset="0"/>
-              </a:rPr>
-              <a:t>              'Ankle boot')</a:t>
-            </a:r>
-          </a:p>
-        </p:txBody>
-      </p:sp>
-      <p:pic>
-        <p:nvPicPr>
-          <p:cNvPr id="4" name="Picture 3" descr="A picture containing graphical user interface&#10;&#10;Description automatically generated">
-            <a:extLst>
-              <a:ext uri="{FF2B5EF4-FFF2-40B4-BE49-F238E27FC236}">
-                <a16:creationId xmlns:a16="http://schemas.microsoft.com/office/drawing/2014/main" id="{583CA427-A6E7-404A-A8FB-19836BA3EC1C}"/>
-              </a:ext>
-            </a:extLst>
-          </p:cNvPr>
-          <p:cNvPicPr>
-            <a:picLocks noChangeAspect="1"/>
-          </p:cNvPicPr>
-          <p:nvPr/>
-        </p:nvPicPr>
-        <p:blipFill>
-          <a:blip r:embed="rId2"/>
-          <a:stretch>
-            <a:fillRect/>
-          </a:stretch>
-        </p:blipFill>
-        <p:spPr>
-          <a:xfrm>
-            <a:off x="4937872" y="1997640"/>
-            <a:ext cx="3909245" cy="3262516"/>
-          </a:xfrm>
-          <a:prstGeom prst="rect">
-            <a:avLst/>
-          </a:prstGeom>
-        </p:spPr>
-      </p:pic>
+              <a:t>fashion_mnist</a:t>
+            </a:r>
+            <a:r>
+              <a:rPr lang="en-US" sz="2000" dirty="0">
+                <a:latin typeface="Courier" pitchFamily="2" charset="0"/>
+              </a:rPr>
+              <a:t> &lt;- </a:t>
+            </a:r>
+            <a:r>
+              <a:rPr lang="en-US" sz="2000" dirty="0" err="1">
+                <a:latin typeface="Courier" pitchFamily="2" charset="0"/>
+              </a:rPr>
+              <a:t>dataset_fashion_mnist</a:t>
+            </a:r>
+            <a:r>
+              <a:rPr lang="en-US" sz="2000" dirty="0">
+                <a:latin typeface="Courier" pitchFamily="2" charset="0"/>
+              </a:rPr>
+              <a:t>()</a:t>
+            </a:r>
+          </a:p>
+          <a:p>
+            <a:r>
+              <a:rPr lang="en-US" sz="2000" dirty="0">
+                <a:latin typeface="Courier" pitchFamily="2" charset="0"/>
+              </a:rPr>
+              <a:t>summary(</a:t>
+            </a:r>
+            <a:r>
+              <a:rPr lang="en-US" sz="2000" dirty="0" err="1">
+                <a:latin typeface="Courier" pitchFamily="2" charset="0"/>
+              </a:rPr>
+              <a:t>fashion_mnist$train</a:t>
+            </a:r>
+            <a:r>
+              <a:rPr lang="en-US" sz="2000" dirty="0">
+                <a:latin typeface="Courier" pitchFamily="2" charset="0"/>
+              </a:rPr>
+              <a:t>)</a:t>
+            </a:r>
+          </a:p>
+          <a:p>
+            <a:r>
+              <a:rPr lang="en-US" sz="2000" dirty="0">
+                <a:latin typeface="Courier" pitchFamily="2" charset="0"/>
+              </a:rPr>
+              <a:t>c(</a:t>
+            </a:r>
+            <a:r>
+              <a:rPr lang="en-US" sz="2000" dirty="0" err="1">
+                <a:latin typeface="Courier" pitchFamily="2" charset="0"/>
+              </a:rPr>
+              <a:t>train_images</a:t>
+            </a:r>
+            <a:r>
+              <a:rPr lang="en-US" sz="2000" dirty="0">
+                <a:latin typeface="Courier" pitchFamily="2" charset="0"/>
+              </a:rPr>
+              <a:t>, </a:t>
+            </a:r>
+            <a:r>
+              <a:rPr lang="en-US" sz="2000" dirty="0" err="1">
+                <a:latin typeface="Courier" pitchFamily="2" charset="0"/>
+              </a:rPr>
+              <a:t>train_labels</a:t>
+            </a:r>
+            <a:r>
+              <a:rPr lang="en-US" sz="2000" dirty="0">
+                <a:latin typeface="Courier" pitchFamily="2" charset="0"/>
+              </a:rPr>
+              <a:t>) %&lt;-% </a:t>
+            </a:r>
+            <a:r>
+              <a:rPr lang="en-US" sz="2000" dirty="0" err="1">
+                <a:latin typeface="Courier" pitchFamily="2" charset="0"/>
+              </a:rPr>
+              <a:t>fashion_mnist$train</a:t>
+            </a:r>
+            <a:endParaRPr lang="en-US" sz="2000" dirty="0">
+              <a:latin typeface="Courier" pitchFamily="2" charset="0"/>
+            </a:endParaRPr>
+          </a:p>
+          <a:p>
+            <a:r>
+              <a:rPr lang="en-US" sz="2000" dirty="0">
+                <a:latin typeface="Courier" pitchFamily="2" charset="0"/>
+              </a:rPr>
+              <a:t>c(</a:t>
+            </a:r>
+            <a:r>
+              <a:rPr lang="en-US" sz="2000" dirty="0" err="1">
+                <a:latin typeface="Courier" pitchFamily="2" charset="0"/>
+              </a:rPr>
+              <a:t>test_images</a:t>
+            </a:r>
+            <a:r>
+              <a:rPr lang="en-US" sz="2000" dirty="0">
+                <a:latin typeface="Courier" pitchFamily="2" charset="0"/>
+              </a:rPr>
+              <a:t>, </a:t>
+            </a:r>
+            <a:r>
+              <a:rPr lang="en-US" sz="2000" dirty="0" err="1">
+                <a:latin typeface="Courier" pitchFamily="2" charset="0"/>
+              </a:rPr>
+              <a:t>test_labels</a:t>
+            </a:r>
+            <a:r>
+              <a:rPr lang="en-US" sz="2000" dirty="0">
+                <a:latin typeface="Courier" pitchFamily="2" charset="0"/>
+              </a:rPr>
+              <a:t>) %&lt;-% </a:t>
+            </a:r>
+            <a:r>
+              <a:rPr lang="en-US" sz="2000" dirty="0" err="1">
+                <a:latin typeface="Courier" pitchFamily="2" charset="0"/>
+              </a:rPr>
+              <a:t>fashion_mnist$test</a:t>
+            </a:r>
+            <a:endParaRPr lang="en-US" sz="2000" dirty="0">
+              <a:latin typeface="Courier" pitchFamily="2" charset="0"/>
+            </a:endParaRPr>
+          </a:p>
+          <a:p>
+            <a:r>
+              <a:rPr lang="en-US" sz="2000" dirty="0">
+                <a:latin typeface="Courier" pitchFamily="2" charset="0"/>
+              </a:rPr>
+              <a:t>dim(</a:t>
+            </a:r>
+            <a:r>
+              <a:rPr lang="en-US" sz="2000" dirty="0" err="1">
+                <a:latin typeface="Courier" pitchFamily="2" charset="0"/>
+              </a:rPr>
+              <a:t>train_images</a:t>
+            </a:r>
+            <a:r>
+              <a:rPr lang="en-US" sz="2000" dirty="0">
+                <a:latin typeface="Courier" pitchFamily="2" charset="0"/>
+              </a:rPr>
+              <a:t>)</a:t>
+            </a:r>
+          </a:p>
+          <a:p>
+            <a:r>
+              <a:rPr lang="en-US" sz="2000" dirty="0">
+                <a:latin typeface="Courier" pitchFamily="2" charset="0"/>
+              </a:rPr>
+              <a:t>dim(</a:t>
+            </a:r>
+            <a:r>
+              <a:rPr lang="en-US" sz="2000" dirty="0" err="1">
+                <a:latin typeface="Courier" pitchFamily="2" charset="0"/>
+              </a:rPr>
+              <a:t>train_labels</a:t>
+            </a:r>
+            <a:r>
+              <a:rPr lang="en-US" sz="2000" dirty="0">
+                <a:latin typeface="Courier" pitchFamily="2" charset="0"/>
+              </a:rPr>
+              <a:t>)</a:t>
+            </a:r>
+          </a:p>
+        </p:txBody>
+      </p:sp>
     </p:spTree>
     <p:extLst>
       <p:ext uri="{BB962C8B-B14F-4D97-AF65-F5344CB8AC3E}">
-        <p14:creationId xmlns:p14="http://schemas.microsoft.com/office/powerpoint/2010/main" val="1842324567"/>
+        <p14:creationId xmlns:p14="http://schemas.microsoft.com/office/powerpoint/2010/main" val="2278776895"/>
       </p:ext>
     </p:extLst>
   </p:cSld>

--- a/PLPTH813Bioinformatis/2021/labs/lab12_DL.pptx
+++ b/PLPTH813Bioinformatis/2021/labs/lab12_DL.pptx
@@ -525,7 +525,7 @@
           <a:bodyPr/>
           <a:lstStyle/>
           <a:p>
-            <a:endParaRPr lang="en-US" dirty="0"/>
+            <a:endParaRPr lang="en-US"/>
           </a:p>
         </p:txBody>
       </p:sp>
@@ -546,7 +546,7 @@
           <a:p>
             <a:fld id="{ADD4FB00-078C-1442-BBEC-E4C7ADBF3721}" type="slidenum">
               <a:rPr lang="en-US" smtClean="0"/>
-              <a:t>3</a:t>
+              <a:t>2</a:t>
             </a:fld>
             <a:endParaRPr lang="en-US"/>
           </a:p>
@@ -555,7 +555,7 @@
     </p:spTree>
     <p:extLst>
       <p:ext uri="{BB962C8B-B14F-4D97-AF65-F5344CB8AC3E}">
-        <p14:creationId xmlns:p14="http://schemas.microsoft.com/office/powerpoint/2010/main" val="865646923"/>
+        <p14:creationId xmlns:p14="http://schemas.microsoft.com/office/powerpoint/2010/main" val="911787035"/>
       </p:ext>
     </p:extLst>
   </p:cSld>
@@ -630,6 +630,174 @@
           <a:p>
             <a:fld id="{ADD4FB00-078C-1442-BBEC-E4C7ADBF3721}" type="slidenum">
               <a:rPr lang="en-US" smtClean="0"/>
+              <a:t>3</a:t>
+            </a:fld>
+            <a:endParaRPr lang="en-US"/>
+          </a:p>
+        </p:txBody>
+      </p:sp>
+    </p:spTree>
+    <p:extLst>
+      <p:ext uri="{BB962C8B-B14F-4D97-AF65-F5344CB8AC3E}">
+        <p14:creationId xmlns:p14="http://schemas.microsoft.com/office/powerpoint/2010/main" val="865646923"/>
+      </p:ext>
+    </p:extLst>
+  </p:cSld>
+  <p:clrMapOvr>
+    <a:masterClrMapping/>
+  </p:clrMapOvr>
+</p:notes>
+</file>
+
+<file path=ppt/notesSlides/notesSlide3.xml><?xml version="1.0" encoding="utf-8"?>
+<p:notes xmlns:a="http://schemas.openxmlformats.org/drawingml/2006/main" xmlns:r="http://schemas.openxmlformats.org/officeDocument/2006/relationships" xmlns:p="http://schemas.openxmlformats.org/presentationml/2006/main">
+  <p:cSld>
+    <p:spTree>
+      <p:nvGrpSpPr>
+        <p:cNvPr id="1" name=""/>
+        <p:cNvGrpSpPr/>
+        <p:nvPr/>
+      </p:nvGrpSpPr>
+      <p:grpSpPr>
+        <a:xfrm>
+          <a:off x="0" y="0"/>
+          <a:ext cx="0" cy="0"/>
+          <a:chOff x="0" y="0"/>
+          <a:chExt cx="0" cy="0"/>
+        </a:xfrm>
+      </p:grpSpPr>
+      <p:sp>
+        <p:nvSpPr>
+          <p:cNvPr id="2" name="Slide Image Placeholder 1"/>
+          <p:cNvSpPr>
+            <a:spLocks noGrp="1" noRot="1" noChangeAspect="1"/>
+          </p:cNvSpPr>
+          <p:nvPr>
+            <p:ph type="sldImg"/>
+          </p:nvPr>
+        </p:nvSpPr>
+        <p:spPr/>
+      </p:sp>
+      <p:sp>
+        <p:nvSpPr>
+          <p:cNvPr id="3" name="Notes Placeholder 2"/>
+          <p:cNvSpPr>
+            <a:spLocks noGrp="1"/>
+          </p:cNvSpPr>
+          <p:nvPr>
+            <p:ph type="body" idx="1"/>
+          </p:nvPr>
+        </p:nvSpPr>
+        <p:spPr/>
+        <p:txBody>
+          <a:bodyPr/>
+          <a:lstStyle/>
+          <a:p>
+            <a:endParaRPr lang="en-US" dirty="0"/>
+          </a:p>
+        </p:txBody>
+      </p:sp>
+      <p:sp>
+        <p:nvSpPr>
+          <p:cNvPr id="4" name="Slide Number Placeholder 3"/>
+          <p:cNvSpPr>
+            <a:spLocks noGrp="1"/>
+          </p:cNvSpPr>
+          <p:nvPr>
+            <p:ph type="sldNum" sz="quarter" idx="5"/>
+          </p:nvPr>
+        </p:nvSpPr>
+        <p:spPr/>
+        <p:txBody>
+          <a:bodyPr/>
+          <a:lstStyle/>
+          <a:p>
+            <a:fld id="{ADD4FB00-078C-1442-BBEC-E4C7ADBF3721}" type="slidenum">
+              <a:rPr lang="en-US" smtClean="0"/>
+              <a:t>8</a:t>
+            </a:fld>
+            <a:endParaRPr lang="en-US"/>
+          </a:p>
+        </p:txBody>
+      </p:sp>
+    </p:spTree>
+    <p:extLst>
+      <p:ext uri="{BB962C8B-B14F-4D97-AF65-F5344CB8AC3E}">
+        <p14:creationId xmlns:p14="http://schemas.microsoft.com/office/powerpoint/2010/main" val="3211165950"/>
+      </p:ext>
+    </p:extLst>
+  </p:cSld>
+  <p:clrMapOvr>
+    <a:masterClrMapping/>
+  </p:clrMapOvr>
+</p:notes>
+</file>
+
+<file path=ppt/notesSlides/notesSlide4.xml><?xml version="1.0" encoding="utf-8"?>
+<p:notes xmlns:a="http://schemas.openxmlformats.org/drawingml/2006/main" xmlns:r="http://schemas.openxmlformats.org/officeDocument/2006/relationships" xmlns:p="http://schemas.openxmlformats.org/presentationml/2006/main">
+  <p:cSld>
+    <p:spTree>
+      <p:nvGrpSpPr>
+        <p:cNvPr id="1" name=""/>
+        <p:cNvGrpSpPr/>
+        <p:nvPr/>
+      </p:nvGrpSpPr>
+      <p:grpSpPr>
+        <a:xfrm>
+          <a:off x="0" y="0"/>
+          <a:ext cx="0" cy="0"/>
+          <a:chOff x="0" y="0"/>
+          <a:chExt cx="0" cy="0"/>
+        </a:xfrm>
+      </p:grpSpPr>
+      <p:sp>
+        <p:nvSpPr>
+          <p:cNvPr id="2" name="Slide Image Placeholder 1"/>
+          <p:cNvSpPr>
+            <a:spLocks noGrp="1" noRot="1" noChangeAspect="1"/>
+          </p:cNvSpPr>
+          <p:nvPr>
+            <p:ph type="sldImg"/>
+          </p:nvPr>
+        </p:nvSpPr>
+        <p:spPr/>
+      </p:sp>
+      <p:sp>
+        <p:nvSpPr>
+          <p:cNvPr id="3" name="Notes Placeholder 2"/>
+          <p:cNvSpPr>
+            <a:spLocks noGrp="1"/>
+          </p:cNvSpPr>
+          <p:nvPr>
+            <p:ph type="body" idx="1"/>
+          </p:nvPr>
+        </p:nvSpPr>
+        <p:spPr/>
+        <p:txBody>
+          <a:bodyPr/>
+          <a:lstStyle/>
+          <a:p>
+            <a:endParaRPr lang="en-US" dirty="0"/>
+          </a:p>
+        </p:txBody>
+      </p:sp>
+      <p:sp>
+        <p:nvSpPr>
+          <p:cNvPr id="4" name="Slide Number Placeholder 3"/>
+          <p:cNvSpPr>
+            <a:spLocks noGrp="1"/>
+          </p:cNvSpPr>
+          <p:nvPr>
+            <p:ph type="sldNum" sz="quarter" idx="5"/>
+          </p:nvPr>
+        </p:nvSpPr>
+        <p:spPr/>
+        <p:txBody>
+          <a:bodyPr/>
+          <a:lstStyle/>
+          <a:p>
+            <a:fld id="{ADD4FB00-078C-1442-BBEC-E4C7ADBF3721}" type="slidenum">
+              <a:rPr lang="en-US" smtClean="0"/>
               <a:t>13</a:t>
             </a:fld>
             <a:endParaRPr lang="en-US"/>
@@ -649,7 +817,7 @@
 </p:notes>
 </file>
 
-<file path=ppt/notesSlides/notesSlide3.xml><?xml version="1.0" encoding="utf-8"?>
+<file path=ppt/notesSlides/notesSlide5.xml><?xml version="1.0" encoding="utf-8"?>
 <p:notes xmlns:a="http://schemas.openxmlformats.org/drawingml/2006/main" xmlns:r="http://schemas.openxmlformats.org/officeDocument/2006/relationships" xmlns:p="http://schemas.openxmlformats.org/presentationml/2006/main">
   <p:cSld>
     <p:spTree>
@@ -4635,7 +4803,7 @@
         </p:nvSpPr>
         <p:spPr>
           <a:xfrm>
-            <a:off x="482382" y="1769423"/>
+            <a:off x="482381" y="1429835"/>
             <a:ext cx="8032968" cy="3785652"/>
           </a:xfrm>
           <a:prstGeom prst="rect">
@@ -4847,6 +5015,72 @@
                 <a:latin typeface="Courier" pitchFamily="2" charset="0"/>
               </a:rPr>
               <a:t>)</a:t>
+            </a:r>
+          </a:p>
+        </p:txBody>
+      </p:sp>
+      <p:sp>
+        <p:nvSpPr>
+          <p:cNvPr id="4" name="TextBox 3">
+            <a:extLst>
+              <a:ext uri="{FF2B5EF4-FFF2-40B4-BE49-F238E27FC236}">
+                <a16:creationId xmlns:a16="http://schemas.microsoft.com/office/drawing/2014/main" id="{63BE8BB5-586A-5740-A8A6-2A503C2F1784}"/>
+              </a:ext>
+            </a:extLst>
+          </p:cNvPr>
+          <p:cNvSpPr txBox="1"/>
+          <p:nvPr/>
+        </p:nvSpPr>
+        <p:spPr>
+          <a:xfrm>
+            <a:off x="335574" y="5428165"/>
+            <a:ext cx="8326581" cy="1200329"/>
+          </a:xfrm>
+          <a:prstGeom prst="rect">
+            <a:avLst/>
+          </a:prstGeom>
+          <a:noFill/>
+        </p:spPr>
+        <p:txBody>
+          <a:bodyPr wrap="square" rtlCol="0">
+            <a:spAutoFit/>
+          </a:bodyPr>
+          <a:lstStyle/>
+          <a:p>
+            <a:r>
+              <a:rPr lang="en-US" dirty="0"/>
+              <a:t># Adam optimization is a stochastic gradient descent method.</a:t>
+            </a:r>
+          </a:p>
+          <a:p>
+            <a:pPr fontAlgn="base"/>
+            <a:r>
+              <a:rPr lang="en-US" dirty="0"/>
+              <a:t># </a:t>
+            </a:r>
+            <a:r>
+              <a:rPr lang="en-US" dirty="0" err="1"/>
+              <a:t>categorical_crossentropy</a:t>
+            </a:r>
+            <a:r>
+              <a:rPr lang="en-US" dirty="0"/>
+              <a:t> produces a one-hot array containing the probable match for each category; </a:t>
+            </a:r>
+            <a:r>
+              <a:rPr lang="en-US" dirty="0" err="1"/>
+              <a:t>sparse_categorical_crossentropy</a:t>
+            </a:r>
+            <a:r>
+              <a:rPr lang="en-US" dirty="0"/>
+              <a:t> produces a category index of the </a:t>
+            </a:r>
+            <a:r>
+              <a:rPr lang="en-US" i="1" dirty="0"/>
+              <a:t>most likely</a:t>
+            </a:r>
+            <a:r>
+              <a:rPr lang="en-US" dirty="0"/>
+              <a:t> matching category.</a:t>
             </a:r>
           </a:p>
         </p:txBody>
@@ -6152,7 +6386,7 @@
               <a:rPr lang="en-US" dirty="0">
                 <a:latin typeface="Courier" pitchFamily="2" charset="0"/>
               </a:rPr>
-              <a:t>Prediction1</a:t>
+              <a:t>prediction1</a:t>
             </a:r>
           </a:p>
           <a:p>
@@ -6606,12 +6840,18 @@
           <a:p>
             <a:r>
               <a:rPr lang="en-US" sz="2000" dirty="0" err="1">
+                <a:solidFill>
+                  <a:srgbClr val="FF0000"/>
+                </a:solidFill>
                 <a:latin typeface="Courier" pitchFamily="2" charset="0"/>
               </a:rPr>
               <a:t>install_tensorflow</a:t>
             </a:r>
             <a:r>
               <a:rPr lang="en-US" sz="2000" dirty="0">
+                <a:solidFill>
+                  <a:srgbClr val="FF0000"/>
+                </a:solidFill>
                 <a:latin typeface="Courier" pitchFamily="2" charset="0"/>
               </a:rPr>
               <a:t>(</a:t>
@@ -6620,18 +6860,27 @@
           <a:p>
             <a:r>
               <a:rPr lang="en-US" sz="2000" dirty="0">
+                <a:solidFill>
+                  <a:srgbClr val="FF0000"/>
+                </a:solidFill>
                 <a:latin typeface="Courier" pitchFamily="2" charset="0"/>
               </a:rPr>
               <a:t>  method = "</a:t>
             </a:r>
             <a:r>
               <a:rPr lang="en-US" sz="2000" dirty="0" err="1">
+                <a:solidFill>
+                  <a:srgbClr val="FF0000"/>
+                </a:solidFill>
                 <a:latin typeface="Courier" pitchFamily="2" charset="0"/>
               </a:rPr>
               <a:t>conda</a:t>
             </a:r>
             <a:r>
               <a:rPr lang="en-US" sz="2000" dirty="0">
+                <a:solidFill>
+                  <a:srgbClr val="FF0000"/>
+                </a:solidFill>
                 <a:latin typeface="Courier" pitchFamily="2" charset="0"/>
               </a:rPr>
               <a:t>",</a:t>
@@ -6640,18 +6889,27 @@
           <a:p>
             <a:r>
               <a:rPr lang="en-US" sz="2000" dirty="0">
+                <a:solidFill>
+                  <a:srgbClr val="FF0000"/>
+                </a:solidFill>
                 <a:latin typeface="Courier" pitchFamily="2" charset="0"/>
               </a:rPr>
               <a:t>  </a:t>
             </a:r>
             <a:r>
               <a:rPr lang="en-US" sz="2000" dirty="0" err="1">
+                <a:solidFill>
+                  <a:srgbClr val="FF0000"/>
+                </a:solidFill>
                 <a:latin typeface="Courier" pitchFamily="2" charset="0"/>
               </a:rPr>
               <a:t>conda_python_version</a:t>
             </a:r>
             <a:r>
               <a:rPr lang="en-US" sz="2000" dirty="0">
+                <a:solidFill>
+                  <a:srgbClr val="FF0000"/>
+                </a:solidFill>
                 <a:latin typeface="Courier" pitchFamily="2" charset="0"/>
               </a:rPr>
               <a:t> = "3.6",</a:t>
@@ -6660,18 +6918,21 @@
           <a:p>
             <a:r>
               <a:rPr lang="en-US" sz="2000" dirty="0">
+                <a:solidFill>
+                  <a:srgbClr val="FF0000"/>
+                </a:solidFill>
                 <a:latin typeface="Courier" pitchFamily="2" charset="0"/>
               </a:rPr>
               <a:t>)</a:t>
             </a:r>
           </a:p>
           <a:p>
-            <a:r>
-              <a:rPr lang="en-US" sz="2000" dirty="0">
-                <a:latin typeface="Courier" pitchFamily="2" charset="0"/>
-              </a:rPr>
-              <a:t>```</a:t>
-            </a:r>
+            <a:endParaRPr lang="en-US" sz="2000" dirty="0">
+              <a:solidFill>
+                <a:srgbClr val="FF0000"/>
+              </a:solidFill>
+              <a:latin typeface="Courier" pitchFamily="2" charset="0"/>
+            </a:endParaRPr>
           </a:p>
           <a:p>
             <a:endParaRPr lang="en-US" sz="2000" dirty="0">
@@ -7796,7 +8057,7 @@
         </p:nvSpPr>
         <p:spPr>
           <a:xfrm>
-            <a:off x="748145" y="2220686"/>
+            <a:off x="1198088" y="2293258"/>
             <a:ext cx="5688281" cy="1938992"/>
           </a:xfrm>
           <a:prstGeom prst="rect">
